--- a/彈琴歌唱讚美你.pptx
+++ b/彈琴歌唱讚美你.pptx
@@ -5,9 +5,13 @@
     <p:sldMasterId id="2147483660" r:id="rId1"/>
   </p:sldMasterIdLst>
   <p:sldIdLst>
-    <p:sldId id="257" r:id="rId2"/>
-    <p:sldId id="258" r:id="rId3"/>
-    <p:sldId id="259" r:id="rId4"/>
+    <p:sldId id="260" r:id="rId2"/>
+    <p:sldId id="261" r:id="rId3"/>
+    <p:sldId id="262" r:id="rId4"/>
+    <p:sldId id="263" r:id="rId5"/>
+    <p:sldId id="264" r:id="rId6"/>
+    <p:sldId id="265" r:id="rId7"/>
+    <p:sldId id="266" r:id="rId8"/>
   </p:sldIdLst>
   <p:sldSz cx="9144000" cy="5143500" type="screen16x9"/>
   <p:notesSz cx="6858000" cy="9144000"/>
@@ -106,6 +110,22 @@
       </a:defRPr>
     </a:lvl9pPr>
   </p:defaultTextStyle>
+  <p:extLst>
+    <p:ext uri="{EFAFB233-063F-42B5-8137-9DF3F51BA10A}">
+      <p15:sldGuideLst xmlns:p15="http://schemas.microsoft.com/office/powerpoint/2012/main">
+        <p15:guide id="1" orient="horz" pos="1620">
+          <p15:clr>
+            <a:srgbClr val="A4A3A4"/>
+          </p15:clr>
+        </p15:guide>
+        <p15:guide id="2" pos="2880">
+          <p15:clr>
+            <a:srgbClr val="A4A3A4"/>
+          </p15:clr>
+        </p15:guide>
+      </p15:sldGuideLst>
+    </p:ext>
+  </p:extLst>
 </p:presentation>
 </file>
 
@@ -290,7 +310,7 @@
           <a:p>
             <a:fld id="{5B80AD86-2C1E-4B28-87F6-A194458C1C65}" type="datetimeFigureOut">
               <a:rPr lang="zh-TW" altLang="en-US" smtClean="0"/>
-              <a:t>2020/6/16</a:t>
+              <a:t>2021/11/26</a:t>
             </a:fld>
             <a:endParaRPr lang="zh-TW" altLang="en-US"/>
           </a:p>
@@ -455,7 +475,7 @@
           <a:p>
             <a:fld id="{5B80AD86-2C1E-4B28-87F6-A194458C1C65}" type="datetimeFigureOut">
               <a:rPr lang="zh-TW" altLang="en-US" smtClean="0"/>
-              <a:t>2020/6/16</a:t>
+              <a:t>2021/11/26</a:t>
             </a:fld>
             <a:endParaRPr lang="zh-TW" altLang="en-US"/>
           </a:p>
@@ -630,7 +650,7 @@
           <a:p>
             <a:fld id="{5B80AD86-2C1E-4B28-87F6-A194458C1C65}" type="datetimeFigureOut">
               <a:rPr lang="zh-TW" altLang="en-US" smtClean="0"/>
-              <a:t>2020/6/16</a:t>
+              <a:t>2021/11/26</a:t>
             </a:fld>
             <a:endParaRPr lang="zh-TW" altLang="en-US"/>
           </a:p>
@@ -795,7 +815,7 @@
           <a:p>
             <a:fld id="{5B80AD86-2C1E-4B28-87F6-A194458C1C65}" type="datetimeFigureOut">
               <a:rPr lang="zh-TW" altLang="en-US" smtClean="0"/>
-              <a:t>2020/6/16</a:t>
+              <a:t>2021/11/26</a:t>
             </a:fld>
             <a:endParaRPr lang="zh-TW" altLang="en-US"/>
           </a:p>
@@ -1036,7 +1056,7 @@
           <a:p>
             <a:fld id="{5B80AD86-2C1E-4B28-87F6-A194458C1C65}" type="datetimeFigureOut">
               <a:rPr lang="zh-TW" altLang="en-US" smtClean="0"/>
-              <a:t>2020/6/16</a:t>
+              <a:t>2021/11/26</a:t>
             </a:fld>
             <a:endParaRPr lang="zh-TW" altLang="en-US"/>
           </a:p>
@@ -1319,7 +1339,7 @@
           <a:p>
             <a:fld id="{5B80AD86-2C1E-4B28-87F6-A194458C1C65}" type="datetimeFigureOut">
               <a:rPr lang="zh-TW" altLang="en-US" smtClean="0"/>
-              <a:t>2020/6/16</a:t>
+              <a:t>2021/11/26</a:t>
             </a:fld>
             <a:endParaRPr lang="zh-TW" altLang="en-US"/>
           </a:p>
@@ -1736,7 +1756,7 @@
           <a:p>
             <a:fld id="{5B80AD86-2C1E-4B28-87F6-A194458C1C65}" type="datetimeFigureOut">
               <a:rPr lang="zh-TW" altLang="en-US" smtClean="0"/>
-              <a:t>2020/6/16</a:t>
+              <a:t>2021/11/26</a:t>
             </a:fld>
             <a:endParaRPr lang="zh-TW" altLang="en-US"/>
           </a:p>
@@ -1849,7 +1869,7 @@
           <a:p>
             <a:fld id="{5B80AD86-2C1E-4B28-87F6-A194458C1C65}" type="datetimeFigureOut">
               <a:rPr lang="zh-TW" altLang="en-US" smtClean="0"/>
-              <a:t>2020/6/16</a:t>
+              <a:t>2021/11/26</a:t>
             </a:fld>
             <a:endParaRPr lang="zh-TW" altLang="en-US"/>
           </a:p>
@@ -1939,7 +1959,7 @@
           <a:p>
             <a:fld id="{5B80AD86-2C1E-4B28-87F6-A194458C1C65}" type="datetimeFigureOut">
               <a:rPr lang="zh-TW" altLang="en-US" smtClean="0"/>
-              <a:t>2020/6/16</a:t>
+              <a:t>2021/11/26</a:t>
             </a:fld>
             <a:endParaRPr lang="zh-TW" altLang="en-US"/>
           </a:p>
@@ -2211,7 +2231,7 @@
           <a:p>
             <a:fld id="{5B80AD86-2C1E-4B28-87F6-A194458C1C65}" type="datetimeFigureOut">
               <a:rPr lang="zh-TW" altLang="en-US" smtClean="0"/>
-              <a:t>2020/6/16</a:t>
+              <a:t>2021/11/26</a:t>
             </a:fld>
             <a:endParaRPr lang="zh-TW" altLang="en-US"/>
           </a:p>
@@ -2463,7 +2483,7 @@
           <a:p>
             <a:fld id="{5B80AD86-2C1E-4B28-87F6-A194458C1C65}" type="datetimeFigureOut">
               <a:rPr lang="zh-TW" altLang="en-US" smtClean="0"/>
-              <a:t>2020/6/16</a:t>
+              <a:t>2021/11/26</a:t>
             </a:fld>
             <a:endParaRPr lang="zh-TW" altLang="en-US"/>
           </a:p>
@@ -2676,7 +2696,7 @@
           <a:p>
             <a:fld id="{5B80AD86-2C1E-4B28-87F6-A194458C1C65}" type="datetimeFigureOut">
               <a:rPr lang="zh-TW" altLang="en-US" smtClean="0"/>
-              <a:t>2020/6/16</a:t>
+              <a:t>2021/11/26</a:t>
             </a:fld>
             <a:endParaRPr lang="zh-TW" altLang="en-US"/>
           </a:p>
@@ -3048,7 +3068,7 @@
       </p:grpSpPr>
       <p:sp>
         <p:nvSpPr>
-          <p:cNvPr id="2" name="標題 1"/>
+          <p:cNvPr id="4" name="標題 3"/>
           <p:cNvSpPr>
             <a:spLocks noGrp="1"/>
           </p:cNvSpPr>
@@ -3056,234 +3076,92 @@
             <p:ph type="title"/>
           </p:nvPr>
         </p:nvSpPr>
-        <p:spPr/>
-        <p:txBody>
-          <a:bodyPr/>
-          <a:lstStyle/>
-          <a:p>
-            <a:r>
-              <a:rPr lang="zh-TW" altLang="en-US" b="1" dirty="0" smtClean="0">
+        <p:spPr>
+          <a:xfrm>
+            <a:off x="0" y="1995686"/>
+            <a:ext cx="9144000" cy="857250"/>
+          </a:xfrm>
+        </p:spPr>
+        <p:txBody>
+          <a:bodyPr>
+            <a:noAutofit/>
+          </a:bodyPr>
+          <a:lstStyle/>
+          <a:p>
+            <a:r>
+              <a:rPr lang="zh-TW" altLang="en-US" sz="5400" b="1" i="1" dirty="0" smtClean="0">
+                <a:solidFill>
+                  <a:srgbClr val="660033"/>
+                </a:solidFill>
+                <a:effectLst>
+                  <a:outerShdw blurRad="38100" dist="38100" dir="2700000" algn="tl">
+                    <a:srgbClr val="000000">
+                      <a:alpha val="43137"/>
+                    </a:srgbClr>
+                  </a:outerShdw>
+                </a:effectLst>
                 <a:latin typeface="微軟正黑體" pitchFamily="34" charset="-120"/>
                 <a:ea typeface="微軟正黑體" pitchFamily="34" charset="-120"/>
               </a:rPr>
-              <a:t>彈琴歌唱</a:t>
-            </a:r>
-            <a:r>
-              <a:rPr lang="zh-TW" altLang="en-US" b="1" dirty="0" smtClean="0">
+              <a:t>彈</a:t>
+            </a:r>
+            <a:r>
+              <a:rPr lang="zh-TW" altLang="en-US" sz="5400" b="1" i="1" dirty="0">
+                <a:solidFill>
+                  <a:srgbClr val="660033"/>
+                </a:solidFill>
+                <a:effectLst>
+                  <a:outerShdw blurRad="38100" dist="38100" dir="2700000" algn="tl">
+                    <a:srgbClr val="000000">
+                      <a:alpha val="43137"/>
+                    </a:srgbClr>
+                  </a:outerShdw>
+                </a:effectLst>
                 <a:latin typeface="微軟正黑體" pitchFamily="34" charset="-120"/>
                 <a:ea typeface="微軟正黑體" pitchFamily="34" charset="-120"/>
               </a:rPr>
-              <a:t>讚美</a:t>
-            </a:r>
-            <a:r>
-              <a:rPr lang="zh-CN" altLang="en-US" b="1" dirty="0" smtClean="0">
+              <a:t>琴歌唱讚美</a:t>
+            </a:r>
+            <a:r>
+              <a:rPr lang="zh-CN" altLang="en-US" sz="5400" b="1" i="1" dirty="0">
+                <a:solidFill>
+                  <a:srgbClr val="660033"/>
+                </a:solidFill>
+                <a:effectLst>
+                  <a:outerShdw blurRad="38100" dist="38100" dir="2700000" algn="tl">
+                    <a:srgbClr val="000000">
+                      <a:alpha val="43137"/>
+                    </a:srgbClr>
+                  </a:outerShdw>
+                </a:effectLst>
                 <a:latin typeface="微軟正黑體" pitchFamily="34" charset="-120"/>
                 <a:ea typeface="微軟正黑體" pitchFamily="34" charset="-120"/>
               </a:rPr>
               <a:t>袮</a:t>
             </a:r>
-            <a:endParaRPr lang="zh-TW" altLang="en-US" b="1" dirty="0">
+            <a:endParaRPr lang="zh-TW" altLang="en-US" sz="5400" b="1" i="1" dirty="0">
+              <a:solidFill>
+                <a:srgbClr val="660033"/>
+              </a:solidFill>
+              <a:effectLst>
+                <a:outerShdw blurRad="38100" dist="38100" dir="2700000" algn="tl">
+                  <a:srgbClr val="000000">
+                    <a:alpha val="43137"/>
+                  </a:srgbClr>
+                </a:outerShdw>
+              </a:effectLst>
               <a:latin typeface="微軟正黑體" pitchFamily="34" charset="-120"/>
               <a:ea typeface="微軟正黑體" pitchFamily="34" charset="-120"/>
             </a:endParaRPr>
           </a:p>
         </p:txBody>
       </p:sp>
-      <p:sp>
-        <p:nvSpPr>
-          <p:cNvPr id="3" name="內容版面配置區 2"/>
-          <p:cNvSpPr>
-            <a:spLocks noGrp="1"/>
-          </p:cNvSpPr>
-          <p:nvPr>
-            <p:ph idx="1"/>
-          </p:nvPr>
-        </p:nvSpPr>
-        <p:spPr/>
-        <p:txBody>
-          <a:bodyPr>
-            <a:noAutofit/>
-          </a:bodyPr>
-          <a:lstStyle/>
-          <a:p>
-            <a:pPr algn="ctr">
-              <a:buNone/>
-            </a:pPr>
-            <a:r>
-              <a:rPr lang="zh-TW" altLang="en-US" sz="4800" b="1" dirty="0" smtClean="0">
-                <a:latin typeface="微軟正黑體" pitchFamily="34" charset="-120"/>
-                <a:ea typeface="微軟正黑體" pitchFamily="34" charset="-120"/>
-              </a:rPr>
-              <a:t>我要彈琴歌唱</a:t>
-            </a:r>
-            <a:r>
-              <a:rPr lang="zh-TW" altLang="en-US" sz="4800" b="1" dirty="0" smtClean="0">
-                <a:latin typeface="微軟正黑體" pitchFamily="34" charset="-120"/>
-                <a:ea typeface="微軟正黑體" pitchFamily="34" charset="-120"/>
-              </a:rPr>
-              <a:t>稱頌</a:t>
-            </a:r>
-            <a:r>
-              <a:rPr lang="zh-CN" altLang="en-US" sz="4800" b="1" dirty="0" smtClean="0">
-                <a:latin typeface="微軟正黑體" pitchFamily="34" charset="-120"/>
-                <a:ea typeface="微軟正黑體" pitchFamily="34" charset="-120"/>
-              </a:rPr>
-              <a:t>袮</a:t>
-            </a:r>
-            <a:r>
-              <a:rPr lang="zh-TW" altLang="en-US" sz="4800" b="1" dirty="0" smtClean="0">
-                <a:latin typeface="微軟正黑體" pitchFamily="34" charset="-120"/>
-                <a:ea typeface="微軟正黑體" pitchFamily="34" charset="-120"/>
-              </a:rPr>
-              <a:t>名</a:t>
-            </a:r>
-            <a:endParaRPr lang="en-US" altLang="zh-TW" sz="4800" b="1" dirty="0" smtClean="0">
-              <a:latin typeface="微軟正黑體" pitchFamily="34" charset="-120"/>
-              <a:ea typeface="微軟正黑體" pitchFamily="34" charset="-120"/>
-            </a:endParaRPr>
-          </a:p>
-          <a:p>
-            <a:pPr algn="ctr">
-              <a:buNone/>
-            </a:pPr>
-            <a:r>
-              <a:rPr lang="zh-TW" altLang="en-US" sz="4800" b="1" dirty="0" smtClean="0">
-                <a:latin typeface="微軟正黑體" pitchFamily="34" charset="-120"/>
-                <a:ea typeface="微軟正黑體" pitchFamily="34" charset="-120"/>
-              </a:rPr>
-              <a:t>因為</a:t>
-            </a:r>
-            <a:r>
-              <a:rPr lang="zh-CN" altLang="en-US" sz="4800" b="1" dirty="0" smtClean="0">
-                <a:latin typeface="微軟正黑體" pitchFamily="34" charset="-120"/>
-                <a:ea typeface="微軟正黑體" pitchFamily="34" charset="-120"/>
-              </a:rPr>
-              <a:t>袮</a:t>
-            </a:r>
-            <a:r>
-              <a:rPr lang="zh-TW" altLang="en-US" sz="4800" b="1" dirty="0" smtClean="0">
-                <a:latin typeface="微軟正黑體" pitchFamily="34" charset="-120"/>
-                <a:ea typeface="微軟正黑體" pitchFamily="34" charset="-120"/>
-              </a:rPr>
-              <a:t>大</a:t>
-            </a:r>
-            <a:r>
-              <a:rPr lang="zh-TW" altLang="en-US" sz="4800" b="1" dirty="0" smtClean="0">
-                <a:latin typeface="微軟正黑體" pitchFamily="34" charset="-120"/>
-                <a:ea typeface="微軟正黑體" pitchFamily="34" charset="-120"/>
-              </a:rPr>
-              <a:t>作為真</a:t>
-            </a:r>
-            <a:r>
-              <a:rPr lang="zh-TW" altLang="en-US" sz="4800" b="1" dirty="0" smtClean="0">
-                <a:latin typeface="微軟正黑體" pitchFamily="34" charset="-120"/>
-                <a:ea typeface="微軟正黑體" pitchFamily="34" charset="-120"/>
-              </a:rPr>
-              <a:t>奇妙</a:t>
-            </a:r>
-            <a:endParaRPr lang="en-US" altLang="zh-TW" sz="4800" b="1" dirty="0" smtClean="0">
-              <a:latin typeface="微軟正黑體" pitchFamily="34" charset="-120"/>
-              <a:ea typeface="微軟正黑體" pitchFamily="34" charset="-120"/>
-            </a:endParaRPr>
-          </a:p>
-          <a:p>
-            <a:pPr algn="ctr">
-              <a:buNone/>
-            </a:pPr>
-            <a:r>
-              <a:rPr lang="zh-TW" altLang="en-US" sz="4800" b="1" dirty="0" smtClean="0">
-                <a:latin typeface="微軟正黑體" pitchFamily="34" charset="-120"/>
-                <a:ea typeface="微軟正黑體" pitchFamily="34" charset="-120"/>
-              </a:rPr>
-              <a:t>全</a:t>
-            </a:r>
-            <a:r>
-              <a:rPr lang="zh-TW" altLang="en-US" sz="4800" b="1" dirty="0" smtClean="0">
-                <a:latin typeface="微軟正黑體" pitchFamily="34" charset="-120"/>
-                <a:ea typeface="微軟正黑體" pitchFamily="34" charset="-120"/>
-              </a:rPr>
-              <a:t>地</a:t>
-            </a:r>
-            <a:r>
-              <a:rPr lang="zh-TW" altLang="en-US" sz="4800" b="1" dirty="0" smtClean="0">
-                <a:latin typeface="微軟正黑體" pitchFamily="34" charset="-120"/>
-                <a:ea typeface="微軟正黑體" pitchFamily="34" charset="-120"/>
-              </a:rPr>
-              <a:t>啊  當</a:t>
-            </a:r>
-            <a:r>
-              <a:rPr lang="zh-TW" altLang="en-US" sz="4800" b="1" dirty="0" smtClean="0">
-                <a:latin typeface="微軟正黑體" pitchFamily="34" charset="-120"/>
-                <a:ea typeface="微軟正黑體" pitchFamily="34" charset="-120"/>
-              </a:rPr>
-              <a:t>揚聲</a:t>
-            </a:r>
-            <a:r>
-              <a:rPr lang="zh-TW" altLang="en-US" sz="4800" b="1" dirty="0" smtClean="0">
-                <a:latin typeface="微軟正黑體" pitchFamily="34" charset="-120"/>
-                <a:ea typeface="微軟正黑體" pitchFamily="34" charset="-120"/>
-              </a:rPr>
-              <a:t>述說</a:t>
-            </a:r>
-            <a:r>
-              <a:rPr lang="zh-CN" altLang="en-US" sz="4800" b="1" dirty="0" smtClean="0">
-                <a:latin typeface="微軟正黑體" pitchFamily="34" charset="-120"/>
-                <a:ea typeface="微軟正黑體" pitchFamily="34" charset="-120"/>
-              </a:rPr>
-              <a:t>袮</a:t>
-            </a:r>
-            <a:r>
-              <a:rPr lang="zh-TW" altLang="en-US" sz="4800" b="1" dirty="0" smtClean="0">
-                <a:latin typeface="微軟正黑體" pitchFamily="34" charset="-120"/>
-                <a:ea typeface="微軟正黑體" pitchFamily="34" charset="-120"/>
-              </a:rPr>
-              <a:t>的榮耀</a:t>
-            </a:r>
-            <a:endParaRPr lang="en-US" altLang="zh-TW" sz="4800" b="1" dirty="0" smtClean="0">
-              <a:latin typeface="微軟正黑體" pitchFamily="34" charset="-120"/>
-              <a:ea typeface="微軟正黑體" pitchFamily="34" charset="-120"/>
-            </a:endParaRPr>
-          </a:p>
-          <a:p>
-            <a:pPr algn="ctr">
-              <a:buNone/>
-            </a:pPr>
-            <a:r>
-              <a:rPr lang="zh-TW" altLang="en-US" sz="4800" b="1" dirty="0" smtClean="0">
-                <a:latin typeface="微軟正黑體" pitchFamily="34" charset="-120"/>
-                <a:ea typeface="微軟正黑體" pitchFamily="34" charset="-120"/>
-              </a:rPr>
-              <a:t>全</a:t>
-            </a:r>
-            <a:r>
-              <a:rPr lang="zh-TW" altLang="en-US" sz="4800" b="1" dirty="0" smtClean="0">
-                <a:latin typeface="微軟正黑體" pitchFamily="34" charset="-120"/>
-                <a:ea typeface="微軟正黑體" pitchFamily="34" charset="-120"/>
-              </a:rPr>
-              <a:t>心來</a:t>
-            </a:r>
-            <a:r>
-              <a:rPr lang="zh-TW" altLang="en-US" sz="4800" b="1" dirty="0" smtClean="0">
-                <a:latin typeface="微軟正黑體" pitchFamily="34" charset="-120"/>
-                <a:ea typeface="微軟正黑體" pitchFamily="34" charset="-120"/>
-              </a:rPr>
-              <a:t>讚美</a:t>
-            </a:r>
-            <a:r>
-              <a:rPr lang="zh-CN" altLang="en-US" sz="4800" b="1" dirty="0" smtClean="0">
-                <a:latin typeface="微軟正黑體" pitchFamily="34" charset="-120"/>
-                <a:ea typeface="微軟正黑體" pitchFamily="34" charset="-120"/>
-              </a:rPr>
-              <a:t>袮</a:t>
-            </a:r>
-            <a:endParaRPr lang="zh-TW" altLang="en-US" sz="4800" b="1" dirty="0">
-              <a:latin typeface="微軟正黑體" pitchFamily="34" charset="-120"/>
-              <a:ea typeface="微軟正黑體" pitchFamily="34" charset="-120"/>
-            </a:endParaRPr>
-          </a:p>
-        </p:txBody>
-      </p:sp>
     </p:spTree>
+    <p:extLst>
+      <p:ext uri="{BB962C8B-B14F-4D97-AF65-F5344CB8AC3E}">
+        <p14:creationId xmlns:p14="http://schemas.microsoft.com/office/powerpoint/2010/main" val="1019824389"/>
+      </p:ext>
+    </p:extLst>
   </p:cSld>
   <p:clrMapOvr>
     <a:masterClrMapping/>
@@ -3310,126 +3188,194 @@
       </p:grpSpPr>
       <p:sp>
         <p:nvSpPr>
-          <p:cNvPr id="2" name="標題 1"/>
-          <p:cNvSpPr>
-            <a:spLocks noGrp="1"/>
-          </p:cNvSpPr>
-          <p:nvPr>
-            <p:ph type="title"/>
-          </p:nvPr>
-        </p:nvSpPr>
-        <p:spPr/>
-        <p:txBody>
-          <a:bodyPr/>
-          <a:lstStyle/>
-          <a:p>
-            <a:r>
-              <a:rPr lang="zh-TW" altLang="en-US" b="1" dirty="0" smtClean="0">
+          <p:cNvPr id="5" name="內容版面配置區 4"/>
+          <p:cNvSpPr>
+            <a:spLocks noGrp="1"/>
+          </p:cNvSpPr>
+          <p:nvPr>
+            <p:ph idx="1"/>
+          </p:nvPr>
+        </p:nvSpPr>
+        <p:spPr>
+          <a:xfrm>
+            <a:off x="0" y="1563638"/>
+            <a:ext cx="9144000" cy="1803647"/>
+          </a:xfrm>
+        </p:spPr>
+        <p:txBody>
+          <a:bodyPr anchor="ctr">
+            <a:normAutofit/>
+          </a:bodyPr>
+          <a:lstStyle/>
+          <a:p>
+            <a:pPr algn="ctr">
+              <a:buNone/>
+            </a:pPr>
+            <a:r>
+              <a:rPr lang="zh-TW" altLang="en-US" sz="4800" b="1" dirty="0" smtClean="0">
+                <a:solidFill>
+                  <a:srgbClr val="660033"/>
+                </a:solidFill>
                 <a:latin typeface="微軟正黑體" pitchFamily="34" charset="-120"/>
                 <a:ea typeface="微軟正黑體" pitchFamily="34" charset="-120"/>
               </a:rPr>
-              <a:t>彈琴歌唱</a:t>
-            </a:r>
-            <a:r>
-              <a:rPr lang="zh-TW" altLang="en-US" b="1" dirty="0" smtClean="0">
+              <a:t>我</a:t>
+            </a:r>
+            <a:r>
+              <a:rPr lang="zh-TW" altLang="en-US" sz="4800" b="1" dirty="0">
+                <a:solidFill>
+                  <a:srgbClr val="660033"/>
+                </a:solidFill>
                 <a:latin typeface="微軟正黑體" pitchFamily="34" charset="-120"/>
                 <a:ea typeface="微軟正黑體" pitchFamily="34" charset="-120"/>
               </a:rPr>
-              <a:t>讚美</a:t>
-            </a:r>
-            <a:r>
-              <a:rPr lang="zh-CN" altLang="en-US" b="1" dirty="0" smtClean="0">
+              <a:t>要彈琴歌唱稱頌</a:t>
+            </a:r>
+            <a:r>
+              <a:rPr lang="zh-CN" altLang="en-US" sz="4800" b="1" dirty="0">
+                <a:solidFill>
+                  <a:srgbClr val="660033"/>
+                </a:solidFill>
                 <a:latin typeface="微軟正黑體" pitchFamily="34" charset="-120"/>
                 <a:ea typeface="微軟正黑體" pitchFamily="34" charset="-120"/>
               </a:rPr>
               <a:t>袮</a:t>
             </a:r>
-            <a:endParaRPr lang="zh-TW" altLang="en-US" b="1" dirty="0">
+            <a:r>
+              <a:rPr lang="zh-TW" altLang="en-US" sz="4800" b="1" dirty="0">
+                <a:solidFill>
+                  <a:srgbClr val="660033"/>
+                </a:solidFill>
+                <a:latin typeface="微軟正黑體" pitchFamily="34" charset="-120"/>
+                <a:ea typeface="微軟正黑體" pitchFamily="34" charset="-120"/>
+              </a:rPr>
+              <a:t>名</a:t>
+            </a:r>
+            <a:endParaRPr lang="en-US" altLang="zh-TW" sz="4800" b="1" dirty="0">
+              <a:solidFill>
+                <a:srgbClr val="660033"/>
+              </a:solidFill>
               <a:latin typeface="微軟正黑體" pitchFamily="34" charset="-120"/>
               <a:ea typeface="微軟正黑體" pitchFamily="34" charset="-120"/>
             </a:endParaRPr>
           </a:p>
-        </p:txBody>
-      </p:sp>
-      <p:sp>
-        <p:nvSpPr>
-          <p:cNvPr id="3" name="內容版面配置區 2"/>
-          <p:cNvSpPr>
-            <a:spLocks noGrp="1"/>
-          </p:cNvSpPr>
-          <p:nvPr>
-            <p:ph idx="1"/>
-          </p:nvPr>
-        </p:nvSpPr>
-        <p:spPr/>
-        <p:txBody>
-          <a:bodyPr>
-            <a:noAutofit/>
-          </a:bodyPr>
-          <a:lstStyle/>
           <a:p>
             <a:pPr algn="ctr">
               <a:buNone/>
             </a:pPr>
             <a:r>
-              <a:rPr lang="zh-TW" altLang="en-US" sz="4800" b="1" dirty="0" smtClean="0">
+              <a:rPr lang="zh-TW" altLang="en-US" sz="4800" b="1" dirty="0">
+                <a:solidFill>
+                  <a:srgbClr val="660033"/>
+                </a:solidFill>
                 <a:latin typeface="微軟正黑體" pitchFamily="34" charset="-120"/>
                 <a:ea typeface="微軟正黑體" pitchFamily="34" charset="-120"/>
               </a:rPr>
-              <a:t>擊鼓跳舞  彈各樣樂器</a:t>
-            </a:r>
-            <a:endParaRPr lang="en-US" altLang="zh-TW" sz="4800" b="1" dirty="0" smtClean="0">
+              <a:t>因為</a:t>
+            </a:r>
+            <a:r>
+              <a:rPr lang="zh-CN" altLang="en-US" sz="4800" b="1" dirty="0">
+                <a:solidFill>
+                  <a:srgbClr val="660033"/>
+                </a:solidFill>
+                <a:latin typeface="微軟正黑體" pitchFamily="34" charset="-120"/>
+                <a:ea typeface="微軟正黑體" pitchFamily="34" charset="-120"/>
+              </a:rPr>
+              <a:t>袮</a:t>
+            </a:r>
+            <a:r>
+              <a:rPr lang="zh-TW" altLang="en-US" sz="4800" b="1" dirty="0">
+                <a:solidFill>
+                  <a:srgbClr val="660033"/>
+                </a:solidFill>
+                <a:latin typeface="微軟正黑體" pitchFamily="34" charset="-120"/>
+                <a:ea typeface="微軟正黑體" pitchFamily="34" charset="-120"/>
+              </a:rPr>
+              <a:t>大作為真奇妙</a:t>
+            </a:r>
+            <a:endParaRPr lang="en-US" altLang="zh-TW" sz="4800" b="1" dirty="0">
+              <a:solidFill>
+                <a:srgbClr val="660033"/>
+              </a:solidFill>
               <a:latin typeface="微軟正黑體" pitchFamily="34" charset="-120"/>
               <a:ea typeface="微軟正黑體" pitchFamily="34" charset="-120"/>
             </a:endParaRPr>
           </a:p>
-          <a:p>
-            <a:pPr algn="ctr">
-              <a:buNone/>
-            </a:pPr>
-            <a:r>
-              <a:rPr lang="zh-TW" altLang="en-US" sz="4800" b="1" dirty="0" smtClean="0">
-                <a:latin typeface="微軟正黑體" pitchFamily="34" charset="-120"/>
-                <a:ea typeface="微軟正黑體" pitchFamily="34" charset="-120"/>
-              </a:rPr>
-              <a:t>來拍掌  穹蒼起唱和</a:t>
-            </a:r>
-            <a:endParaRPr lang="en-US" altLang="zh-TW" sz="4800" b="1" dirty="0" smtClean="0">
-              <a:latin typeface="微軟正黑體" pitchFamily="34" charset="-120"/>
-              <a:ea typeface="微軟正黑體" pitchFamily="34" charset="-120"/>
+        </p:txBody>
+      </p:sp>
+      <p:sp>
+        <p:nvSpPr>
+          <p:cNvPr id="3" name="TextBox 2"/>
+          <p:cNvSpPr txBox="1"/>
+          <p:nvPr/>
+        </p:nvSpPr>
+        <p:spPr>
+          <a:xfrm>
+            <a:off x="0" y="3939902"/>
+            <a:ext cx="9144000" cy="646331"/>
+          </a:xfrm>
+          <a:prstGeom prst="rect">
+            <a:avLst/>
+          </a:prstGeom>
+          <a:noFill/>
+        </p:spPr>
+        <p:txBody>
+          <a:bodyPr wrap="square" rtlCol="0" anchor="ctr">
+            <a:spAutoFit/>
+          </a:bodyPr>
+          <a:lstStyle/>
+          <a:p>
+            <a:pPr algn="ctr"/>
+            <a:r>
+              <a:rPr lang="en-US" sz="3600" b="1" dirty="0">
+                <a:solidFill>
+                  <a:srgbClr val="660033"/>
+                </a:solidFill>
+                <a:effectLst/>
+                <a:latin typeface="Microsoft JhengHei" panose="020B0604030504040204" pitchFamily="34" charset="-120"/>
+                <a:ea typeface="Microsoft JhengHei" panose="020B0604030504040204" pitchFamily="34" charset="-120"/>
+              </a:rPr>
+              <a:t>( </a:t>
+            </a:r>
+            <a:r>
+              <a:rPr lang="zh-CN" altLang="en-US" sz="3600" b="1" dirty="0">
+                <a:solidFill>
+                  <a:srgbClr val="660033"/>
+                </a:solidFill>
+                <a:effectLst/>
+                <a:latin typeface="Microsoft JhengHei" panose="020B0604030504040204" pitchFamily="34" charset="-120"/>
+                <a:ea typeface="Microsoft JhengHei" panose="020B0604030504040204" pitchFamily="34" charset="-120"/>
+              </a:rPr>
+              <a:t>正</a:t>
+            </a:r>
+            <a:r>
+              <a:rPr lang="en-US" sz="3600" b="1" dirty="0">
+                <a:solidFill>
+                  <a:srgbClr val="660033"/>
+                </a:solidFill>
+                <a:effectLst/>
+                <a:latin typeface="Microsoft JhengHei" panose="020B0604030504040204" pitchFamily="34" charset="-120"/>
+                <a:ea typeface="Microsoft JhengHei" panose="020B0604030504040204" pitchFamily="34" charset="-120"/>
+              </a:rPr>
+              <a:t> )</a:t>
+            </a:r>
+            <a:endParaRPr lang="vi-VN" sz="3600" b="1" dirty="0">
+              <a:solidFill>
+                <a:srgbClr val="660033"/>
+              </a:solidFill>
+              <a:effectLst/>
+              <a:latin typeface="Microsoft JhengHei" panose="020B0604030504040204" pitchFamily="34" charset="-120"/>
+              <a:ea typeface="Microsoft JhengHei" panose="020B0604030504040204" pitchFamily="34" charset="-120"/>
             </a:endParaRPr>
           </a:p>
-          <a:p>
-            <a:pPr algn="ctr">
-              <a:buNone/>
-            </a:pPr>
-            <a:r>
-              <a:rPr lang="zh-TW" altLang="en-US" sz="4800" b="1" dirty="0" smtClean="0">
-                <a:latin typeface="微軟正黑體" pitchFamily="34" charset="-120"/>
-                <a:ea typeface="微軟正黑體" pitchFamily="34" charset="-120"/>
-              </a:rPr>
-              <a:t>見證榮耀大君王已降臨</a:t>
-            </a:r>
-            <a:endParaRPr lang="en-US" altLang="zh-TW" sz="4800" b="1" dirty="0" smtClean="0">
-              <a:latin typeface="微軟正黑體" pitchFamily="34" charset="-120"/>
-              <a:ea typeface="微軟正黑體" pitchFamily="34" charset="-120"/>
-            </a:endParaRPr>
-          </a:p>
-          <a:p>
-            <a:pPr algn="ctr">
-              <a:buNone/>
-            </a:pPr>
-            <a:r>
-              <a:rPr lang="zh-TW" altLang="en-US" sz="4800" b="1" dirty="0" smtClean="0">
-                <a:latin typeface="微軟正黑體" pitchFamily="34" charset="-120"/>
-                <a:ea typeface="微軟正黑體" pitchFamily="34" charset="-120"/>
-              </a:rPr>
-              <a:t>宣告主已得勝</a:t>
-            </a:r>
-          </a:p>
         </p:txBody>
       </p:sp>
     </p:spTree>
+    <p:extLst>
+      <p:ext uri="{BB962C8B-B14F-4D97-AF65-F5344CB8AC3E}">
+        <p14:creationId xmlns:p14="http://schemas.microsoft.com/office/powerpoint/2010/main" val="2567810301"/>
+      </p:ext>
+    </p:extLst>
   </p:cSld>
   <p:clrMapOvr>
     <a:masterClrMapping/>
@@ -3456,82 +3402,277 @@
       </p:grpSpPr>
       <p:sp>
         <p:nvSpPr>
-          <p:cNvPr id="2" name="標題 1"/>
-          <p:cNvSpPr>
-            <a:spLocks noGrp="1"/>
-          </p:cNvSpPr>
-          <p:nvPr>
-            <p:ph type="title"/>
-          </p:nvPr>
-        </p:nvSpPr>
-        <p:spPr/>
-        <p:txBody>
-          <a:bodyPr/>
-          <a:lstStyle/>
-          <a:p>
-            <a:r>
-              <a:rPr lang="zh-TW" altLang="en-US" b="1" dirty="0" smtClean="0">
+          <p:cNvPr id="5" name="內容版面配置區 4"/>
+          <p:cNvSpPr>
+            <a:spLocks noGrp="1"/>
+          </p:cNvSpPr>
+          <p:nvPr>
+            <p:ph idx="1"/>
+          </p:nvPr>
+        </p:nvSpPr>
+        <p:spPr>
+          <a:xfrm>
+            <a:off x="0" y="1563638"/>
+            <a:ext cx="9144000" cy="1803647"/>
+          </a:xfrm>
+        </p:spPr>
+        <p:txBody>
+          <a:bodyPr anchor="ctr">
+            <a:normAutofit/>
+          </a:bodyPr>
+          <a:lstStyle/>
+          <a:p>
+            <a:pPr algn="ctr">
+              <a:buNone/>
+            </a:pPr>
+            <a:r>
+              <a:rPr lang="zh-TW" altLang="en-US" sz="4800" b="1" dirty="0">
+                <a:solidFill>
+                  <a:srgbClr val="660033"/>
+                </a:solidFill>
                 <a:latin typeface="微軟正黑體" pitchFamily="34" charset="-120"/>
                 <a:ea typeface="微軟正黑體" pitchFamily="34" charset="-120"/>
               </a:rPr>
-              <a:t>彈琴歌唱讚美你</a:t>
-            </a:r>
-            <a:endParaRPr lang="zh-TW" altLang="en-US" b="1" dirty="0">
+              <a:t>全地啊  </a:t>
+            </a:r>
+            <a:r>
+              <a:rPr lang="zh-TW" altLang="en-US" sz="4800" b="1" dirty="0">
+                <a:solidFill>
+                  <a:srgbClr val="660033"/>
+                </a:solidFill>
+                <a:latin typeface="微軟正黑體" pitchFamily="34" charset="-120"/>
+                <a:ea typeface="微軟正黑體" pitchFamily="34" charset="-120"/>
+              </a:rPr>
+              <a:t> 當</a:t>
+            </a:r>
+            <a:r>
+              <a:rPr lang="zh-TW" altLang="en-US" sz="4800" b="1" dirty="0">
+                <a:solidFill>
+                  <a:srgbClr val="660033"/>
+                </a:solidFill>
+                <a:latin typeface="微軟正黑體" pitchFamily="34" charset="-120"/>
+                <a:ea typeface="微軟正黑體" pitchFamily="34" charset="-120"/>
+              </a:rPr>
+              <a:t>揚聲述說</a:t>
+            </a:r>
+            <a:r>
+              <a:rPr lang="zh-CN" altLang="en-US" sz="4800" b="1" dirty="0">
+                <a:solidFill>
+                  <a:srgbClr val="660033"/>
+                </a:solidFill>
+                <a:latin typeface="微軟正黑體" pitchFamily="34" charset="-120"/>
+                <a:ea typeface="微軟正黑體" pitchFamily="34" charset="-120"/>
+              </a:rPr>
+              <a:t>袮</a:t>
+            </a:r>
+            <a:r>
+              <a:rPr lang="zh-TW" altLang="en-US" sz="4800" b="1" dirty="0">
+                <a:solidFill>
+                  <a:srgbClr val="660033"/>
+                </a:solidFill>
+                <a:latin typeface="微軟正黑體" pitchFamily="34" charset="-120"/>
+                <a:ea typeface="微軟正黑體" pitchFamily="34" charset="-120"/>
+              </a:rPr>
+              <a:t>的榮耀</a:t>
+            </a:r>
+            <a:endParaRPr lang="en-US" altLang="zh-TW" sz="4800" b="1" dirty="0">
+              <a:solidFill>
+                <a:srgbClr val="660033"/>
+              </a:solidFill>
               <a:latin typeface="微軟正黑體" pitchFamily="34" charset="-120"/>
               <a:ea typeface="微軟正黑體" pitchFamily="34" charset="-120"/>
             </a:endParaRPr>
           </a:p>
-        </p:txBody>
-      </p:sp>
-      <p:sp>
-        <p:nvSpPr>
-          <p:cNvPr id="3" name="內容版面配置區 2"/>
-          <p:cNvSpPr>
-            <a:spLocks noGrp="1"/>
-          </p:cNvSpPr>
-          <p:nvPr>
-            <p:ph idx="1"/>
-          </p:nvPr>
-        </p:nvSpPr>
-        <p:spPr>
-          <a:xfrm>
-            <a:off x="0" y="1200151"/>
-            <a:ext cx="9144000" cy="3394472"/>
-          </a:xfrm>
-        </p:spPr>
-        <p:txBody>
-          <a:bodyPr>
-            <a:noAutofit/>
-          </a:bodyPr>
-          <a:lstStyle/>
           <a:p>
             <a:pPr algn="ctr">
               <a:buNone/>
             </a:pPr>
             <a:r>
-              <a:rPr lang="zh-TW" altLang="en-US" sz="4800" b="1" dirty="0" smtClean="0">
+              <a:rPr lang="zh-TW" altLang="en-US" sz="4800" b="1" dirty="0">
+                <a:solidFill>
+                  <a:srgbClr val="660033"/>
+                </a:solidFill>
                 <a:latin typeface="微軟正黑體" pitchFamily="34" charset="-120"/>
                 <a:ea typeface="微軟正黑體" pitchFamily="34" charset="-120"/>
               </a:rPr>
-              <a:t>喔  哈利路亞  哈利路讚美主</a:t>
-            </a:r>
-            <a:endParaRPr lang="en-US" altLang="zh-TW" sz="4800" b="1" dirty="0" smtClean="0">
+              <a:t>全心來讚美</a:t>
+            </a:r>
+            <a:r>
+              <a:rPr lang="zh-CN" altLang="en-US" sz="4800" b="1" dirty="0">
+                <a:solidFill>
+                  <a:srgbClr val="660033"/>
+                </a:solidFill>
+                <a:latin typeface="微軟正黑體" pitchFamily="34" charset="-120"/>
+                <a:ea typeface="微軟正黑體" pitchFamily="34" charset="-120"/>
+              </a:rPr>
+              <a:t>袮</a:t>
+            </a:r>
+            <a:endParaRPr lang="zh-TW" altLang="en-US" sz="4800" b="1" dirty="0">
+              <a:solidFill>
+                <a:srgbClr val="660033"/>
+              </a:solidFill>
               <a:latin typeface="微軟正黑體" pitchFamily="34" charset="-120"/>
               <a:ea typeface="微軟正黑體" pitchFamily="34" charset="-120"/>
             </a:endParaRPr>
           </a:p>
+        </p:txBody>
+      </p:sp>
+      <p:sp>
+        <p:nvSpPr>
+          <p:cNvPr id="3" name="TextBox 2"/>
+          <p:cNvSpPr txBox="1"/>
+          <p:nvPr/>
+        </p:nvSpPr>
+        <p:spPr>
+          <a:xfrm>
+            <a:off x="0" y="3939902"/>
+            <a:ext cx="9144000" cy="646331"/>
+          </a:xfrm>
+          <a:prstGeom prst="rect">
+            <a:avLst/>
+          </a:prstGeom>
+          <a:noFill/>
+        </p:spPr>
+        <p:txBody>
+          <a:bodyPr wrap="square" rtlCol="0" anchor="ctr">
+            <a:spAutoFit/>
+          </a:bodyPr>
+          <a:lstStyle/>
+          <a:p>
+            <a:pPr algn="ctr"/>
+            <a:r>
+              <a:rPr lang="en-US" sz="3600" b="1" dirty="0">
+                <a:solidFill>
+                  <a:srgbClr val="660033"/>
+                </a:solidFill>
+                <a:effectLst/>
+                <a:latin typeface="Microsoft JhengHei" panose="020B0604030504040204" pitchFamily="34" charset="-120"/>
+                <a:ea typeface="Microsoft JhengHei" panose="020B0604030504040204" pitchFamily="34" charset="-120"/>
+              </a:rPr>
+              <a:t>( </a:t>
+            </a:r>
+            <a:r>
+              <a:rPr lang="zh-CN" altLang="en-US" sz="3600" b="1" dirty="0">
+                <a:solidFill>
+                  <a:srgbClr val="660033"/>
+                </a:solidFill>
+                <a:effectLst/>
+                <a:latin typeface="Microsoft JhengHei" panose="020B0604030504040204" pitchFamily="34" charset="-120"/>
+                <a:ea typeface="Microsoft JhengHei" panose="020B0604030504040204" pitchFamily="34" charset="-120"/>
+              </a:rPr>
+              <a:t>正</a:t>
+            </a:r>
+            <a:r>
+              <a:rPr lang="en-US" sz="3600" b="1" dirty="0">
+                <a:solidFill>
+                  <a:srgbClr val="660033"/>
+                </a:solidFill>
+                <a:effectLst/>
+                <a:latin typeface="Microsoft JhengHei" panose="020B0604030504040204" pitchFamily="34" charset="-120"/>
+                <a:ea typeface="Microsoft JhengHei" panose="020B0604030504040204" pitchFamily="34" charset="-120"/>
+              </a:rPr>
+              <a:t> )</a:t>
+            </a:r>
+            <a:endParaRPr lang="vi-VN" sz="3600" b="1" dirty="0">
+              <a:solidFill>
+                <a:srgbClr val="660033"/>
+              </a:solidFill>
+              <a:effectLst/>
+              <a:latin typeface="Microsoft JhengHei" panose="020B0604030504040204" pitchFamily="34" charset="-120"/>
+              <a:ea typeface="Microsoft JhengHei" panose="020B0604030504040204" pitchFamily="34" charset="-120"/>
+            </a:endParaRPr>
+          </a:p>
+        </p:txBody>
+      </p:sp>
+    </p:spTree>
+    <p:extLst>
+      <p:ext uri="{BB962C8B-B14F-4D97-AF65-F5344CB8AC3E}">
+        <p14:creationId xmlns:p14="http://schemas.microsoft.com/office/powerpoint/2010/main" val="3691481101"/>
+      </p:ext>
+    </p:extLst>
+  </p:cSld>
+  <p:clrMapOvr>
+    <a:masterClrMapping/>
+  </p:clrMapOvr>
+</p:sld>
+</file>
+
+<file path=ppt/slides/slide4.xml><?xml version="1.0" encoding="utf-8"?>
+<p:sld xmlns:a="http://schemas.openxmlformats.org/drawingml/2006/main" xmlns:r="http://schemas.openxmlformats.org/officeDocument/2006/relationships" xmlns:p="http://schemas.openxmlformats.org/presentationml/2006/main">
+  <p:cSld>
+    <p:spTree>
+      <p:nvGrpSpPr>
+        <p:cNvPr id="1" name=""/>
+        <p:cNvGrpSpPr/>
+        <p:nvPr/>
+      </p:nvGrpSpPr>
+      <p:grpSpPr>
+        <a:xfrm>
+          <a:off x="0" y="0"/>
+          <a:ext cx="0" cy="0"/>
+          <a:chOff x="0" y="0"/>
+          <a:chExt cx="0" cy="0"/>
+        </a:xfrm>
+      </p:grpSpPr>
+      <p:sp>
+        <p:nvSpPr>
+          <p:cNvPr id="5" name="內容版面配置區 4"/>
+          <p:cNvSpPr>
+            <a:spLocks noGrp="1"/>
+          </p:cNvSpPr>
+          <p:nvPr>
+            <p:ph idx="1"/>
+          </p:nvPr>
+        </p:nvSpPr>
+        <p:spPr>
+          <a:xfrm>
+            <a:off x="0" y="1563638"/>
+            <a:ext cx="9144000" cy="1803647"/>
+          </a:xfrm>
+        </p:spPr>
+        <p:txBody>
+          <a:bodyPr anchor="ctr">
+            <a:normAutofit/>
+          </a:bodyPr>
+          <a:lstStyle/>
           <a:p>
             <a:pPr algn="ctr">
               <a:buNone/>
             </a:pPr>
             <a:r>
-              <a:rPr lang="zh-TW" altLang="en-US" sz="4800" b="1" dirty="0" smtClean="0">
+              <a:rPr lang="zh-TW" altLang="en-US" sz="4800" b="1" dirty="0">
+                <a:solidFill>
+                  <a:srgbClr val="660033"/>
+                </a:solidFill>
                 <a:latin typeface="微軟正黑體" pitchFamily="34" charset="-120"/>
                 <a:ea typeface="微軟正黑體" pitchFamily="34" charset="-120"/>
               </a:rPr>
-              <a:t>哈利路亞  哈利路讚美主</a:t>
-            </a:r>
-            <a:endParaRPr lang="en-US" altLang="zh-TW" sz="4800" b="1" dirty="0" smtClean="0">
+              <a:t>擊鼓跳舞  </a:t>
+            </a:r>
+            <a:r>
+              <a:rPr lang="zh-TW" altLang="en-US" sz="4800" b="1" dirty="0" smtClean="0">
+                <a:solidFill>
+                  <a:srgbClr val="660033"/>
+                </a:solidFill>
+                <a:latin typeface="微軟正黑體" pitchFamily="34" charset="-120"/>
+                <a:ea typeface="微軟正黑體" pitchFamily="34" charset="-120"/>
+              </a:rPr>
+              <a:t> 彈</a:t>
+            </a:r>
+            <a:r>
+              <a:rPr lang="zh-TW" altLang="en-US" sz="4800" b="1" dirty="0">
+                <a:solidFill>
+                  <a:srgbClr val="660033"/>
+                </a:solidFill>
+                <a:latin typeface="微軟正黑體" pitchFamily="34" charset="-120"/>
+                <a:ea typeface="微軟正黑體" pitchFamily="34" charset="-120"/>
+              </a:rPr>
+              <a:t>各樣樂器</a:t>
+            </a:r>
+            <a:endParaRPr lang="en-US" altLang="zh-TW" sz="4800" b="1" dirty="0">
+              <a:solidFill>
+                <a:srgbClr val="660033"/>
+              </a:solidFill>
               <a:latin typeface="微軟正黑體" pitchFamily="34" charset="-120"/>
               <a:ea typeface="微軟正黑體" pitchFamily="34" charset="-120"/>
             </a:endParaRPr>
@@ -3541,81 +3682,738 @@
               <a:buNone/>
             </a:pPr>
             <a:r>
-              <a:rPr lang="zh-TW" altLang="en-US" sz="4800" b="1" dirty="0" smtClean="0">
+              <a:rPr lang="zh-TW" altLang="en-US" sz="4800" b="1" dirty="0">
+                <a:solidFill>
+                  <a:srgbClr val="660033"/>
+                </a:solidFill>
                 <a:latin typeface="微軟正黑體" pitchFamily="34" charset="-120"/>
                 <a:ea typeface="微軟正黑體" pitchFamily="34" charset="-120"/>
               </a:rPr>
-              <a:t>哈利路亞  主我</a:t>
+              <a:t>來拍掌  </a:t>
             </a:r>
             <a:r>
               <a:rPr lang="zh-TW" altLang="en-US" sz="4800" b="1" dirty="0" smtClean="0">
+                <a:solidFill>
+                  <a:srgbClr val="660033"/>
+                </a:solidFill>
                 <a:latin typeface="微軟正黑體" pitchFamily="34" charset="-120"/>
                 <a:ea typeface="微軟正黑體" pitchFamily="34" charset="-120"/>
               </a:rPr>
-              <a:t>稱頌</a:t>
-            </a:r>
-            <a:r>
-              <a:rPr lang="zh-CN" altLang="en-US" sz="4800" b="1" dirty="0" smtClean="0">
+              <a:t> 穹</a:t>
+            </a:r>
+            <a:r>
+              <a:rPr lang="zh-TW" altLang="en-US" sz="4800" b="1" dirty="0">
+                <a:solidFill>
+                  <a:srgbClr val="660033"/>
+                </a:solidFill>
                 <a:latin typeface="微軟正黑體" pitchFamily="34" charset="-120"/>
                 <a:ea typeface="微軟正黑體" pitchFamily="34" charset="-120"/>
               </a:rPr>
-              <a:t>袮</a:t>
-            </a:r>
-            <a:endParaRPr lang="en-US" altLang="zh-TW" sz="4800" b="1" dirty="0" smtClean="0">
+              <a:t>蒼起唱和</a:t>
+            </a:r>
+            <a:endParaRPr lang="zh-TW" altLang="en-US" sz="4800" b="1" dirty="0">
+              <a:solidFill>
+                <a:srgbClr val="660033"/>
+              </a:solidFill>
               <a:latin typeface="微軟正黑體" pitchFamily="34" charset="-120"/>
               <a:ea typeface="微軟正黑體" pitchFamily="34" charset="-120"/>
             </a:endParaRPr>
           </a:p>
+        </p:txBody>
+      </p:sp>
+      <p:sp>
+        <p:nvSpPr>
+          <p:cNvPr id="3" name="TextBox 2"/>
+          <p:cNvSpPr txBox="1"/>
+          <p:nvPr/>
+        </p:nvSpPr>
+        <p:spPr>
+          <a:xfrm>
+            <a:off x="0" y="3939902"/>
+            <a:ext cx="9144000" cy="646331"/>
+          </a:xfrm>
+          <a:prstGeom prst="rect">
+            <a:avLst/>
+          </a:prstGeom>
+          <a:noFill/>
+        </p:spPr>
+        <p:txBody>
+          <a:bodyPr wrap="square" rtlCol="0" anchor="ctr">
+            <a:spAutoFit/>
+          </a:bodyPr>
+          <a:lstStyle/>
+          <a:p>
+            <a:pPr algn="ctr"/>
+            <a:r>
+              <a:rPr lang="en-US" sz="3600" b="1" dirty="0">
+                <a:solidFill>
+                  <a:srgbClr val="660033"/>
+                </a:solidFill>
+                <a:effectLst/>
+                <a:latin typeface="Microsoft JhengHei" panose="020B0604030504040204" pitchFamily="34" charset="-120"/>
+                <a:ea typeface="Microsoft JhengHei" panose="020B0604030504040204" pitchFamily="34" charset="-120"/>
+              </a:rPr>
+              <a:t>( </a:t>
+            </a:r>
+            <a:r>
+              <a:rPr lang="zh-CN" altLang="en-US" sz="3600" b="1" dirty="0">
+                <a:solidFill>
+                  <a:srgbClr val="660033"/>
+                </a:solidFill>
+                <a:effectLst/>
+                <a:latin typeface="Microsoft JhengHei" panose="020B0604030504040204" pitchFamily="34" charset="-120"/>
+                <a:ea typeface="Microsoft JhengHei" panose="020B0604030504040204" pitchFamily="34" charset="-120"/>
+              </a:rPr>
+              <a:t>正</a:t>
+            </a:r>
+            <a:r>
+              <a:rPr lang="en-US" sz="3600" b="1" dirty="0">
+                <a:solidFill>
+                  <a:srgbClr val="660033"/>
+                </a:solidFill>
+                <a:effectLst/>
+                <a:latin typeface="Microsoft JhengHei" panose="020B0604030504040204" pitchFamily="34" charset="-120"/>
+                <a:ea typeface="Microsoft JhengHei" panose="020B0604030504040204" pitchFamily="34" charset="-120"/>
+              </a:rPr>
+              <a:t> )</a:t>
+            </a:r>
+            <a:endParaRPr lang="vi-VN" sz="3600" b="1" dirty="0">
+              <a:solidFill>
+                <a:srgbClr val="660033"/>
+              </a:solidFill>
+              <a:effectLst/>
+              <a:latin typeface="Microsoft JhengHei" panose="020B0604030504040204" pitchFamily="34" charset="-120"/>
+              <a:ea typeface="Microsoft JhengHei" panose="020B0604030504040204" pitchFamily="34" charset="-120"/>
+            </a:endParaRPr>
+          </a:p>
+        </p:txBody>
+      </p:sp>
+    </p:spTree>
+    <p:extLst>
+      <p:ext uri="{BB962C8B-B14F-4D97-AF65-F5344CB8AC3E}">
+        <p14:creationId xmlns:p14="http://schemas.microsoft.com/office/powerpoint/2010/main" val="483040827"/>
+      </p:ext>
+    </p:extLst>
+  </p:cSld>
+  <p:clrMapOvr>
+    <a:masterClrMapping/>
+  </p:clrMapOvr>
+</p:sld>
+</file>
+
+<file path=ppt/slides/slide5.xml><?xml version="1.0" encoding="utf-8"?>
+<p:sld xmlns:a="http://schemas.openxmlformats.org/drawingml/2006/main" xmlns:r="http://schemas.openxmlformats.org/officeDocument/2006/relationships" xmlns:p="http://schemas.openxmlformats.org/presentationml/2006/main">
+  <p:cSld>
+    <p:spTree>
+      <p:nvGrpSpPr>
+        <p:cNvPr id="1" name=""/>
+        <p:cNvGrpSpPr/>
+        <p:nvPr/>
+      </p:nvGrpSpPr>
+      <p:grpSpPr>
+        <a:xfrm>
+          <a:off x="0" y="0"/>
+          <a:ext cx="0" cy="0"/>
+          <a:chOff x="0" y="0"/>
+          <a:chExt cx="0" cy="0"/>
+        </a:xfrm>
+      </p:grpSpPr>
+      <p:sp>
+        <p:nvSpPr>
+          <p:cNvPr id="5" name="內容版面配置區 4"/>
+          <p:cNvSpPr>
+            <a:spLocks noGrp="1"/>
+          </p:cNvSpPr>
+          <p:nvPr>
+            <p:ph idx="1"/>
+          </p:nvPr>
+        </p:nvSpPr>
+        <p:spPr>
+          <a:xfrm>
+            <a:off x="0" y="1563638"/>
+            <a:ext cx="9144000" cy="1803647"/>
+          </a:xfrm>
+        </p:spPr>
+        <p:txBody>
+          <a:bodyPr anchor="ctr">
+            <a:normAutofit/>
+          </a:bodyPr>
+          <a:lstStyle/>
           <a:p>
             <a:pPr algn="ctr">
               <a:buNone/>
             </a:pPr>
             <a:r>
-              <a:rPr lang="zh-TW" altLang="en-US" sz="4800" b="1" dirty="0" smtClean="0">
+              <a:rPr lang="zh-TW" altLang="en-US" sz="4800" b="1" dirty="0">
+                <a:solidFill>
+                  <a:srgbClr val="660033"/>
+                </a:solidFill>
                 <a:latin typeface="微軟正黑體" pitchFamily="34" charset="-120"/>
                 <a:ea typeface="微軟正黑體" pitchFamily="34" charset="-120"/>
               </a:rPr>
-              <a:t>哈利</a:t>
-            </a:r>
-            <a:r>
-              <a:rPr lang="zh-TW" altLang="en-US" sz="4800" b="1" smtClean="0">
+              <a:t>見證榮耀大君王已降臨</a:t>
+            </a:r>
+            <a:endParaRPr lang="en-US" altLang="zh-TW" sz="4800" b="1" dirty="0">
+              <a:solidFill>
+                <a:srgbClr val="660033"/>
+              </a:solidFill>
+              <a:latin typeface="微軟正黑體" pitchFamily="34" charset="-120"/>
+              <a:ea typeface="微軟正黑體" pitchFamily="34" charset="-120"/>
+            </a:endParaRPr>
+          </a:p>
+          <a:p>
+            <a:pPr algn="ctr">
+              <a:buNone/>
+            </a:pPr>
+            <a:r>
+              <a:rPr lang="zh-TW" altLang="en-US" sz="4800" b="1" dirty="0">
+                <a:solidFill>
+                  <a:srgbClr val="660033"/>
+                </a:solidFill>
                 <a:latin typeface="微軟正黑體" pitchFamily="34" charset="-120"/>
                 <a:ea typeface="微軟正黑體" pitchFamily="34" charset="-120"/>
               </a:rPr>
-              <a:t>路</a:t>
-            </a:r>
-            <a:r>
-              <a:rPr lang="zh-TW" altLang="en-US" sz="4800" b="1" smtClean="0">
+              <a:t>宣告主已得勝</a:t>
+            </a:r>
+          </a:p>
+        </p:txBody>
+      </p:sp>
+      <p:sp>
+        <p:nvSpPr>
+          <p:cNvPr id="3" name="TextBox 2"/>
+          <p:cNvSpPr txBox="1"/>
+          <p:nvPr/>
+        </p:nvSpPr>
+        <p:spPr>
+          <a:xfrm>
+            <a:off x="0" y="3939902"/>
+            <a:ext cx="9144000" cy="646331"/>
+          </a:xfrm>
+          <a:prstGeom prst="rect">
+            <a:avLst/>
+          </a:prstGeom>
+          <a:noFill/>
+        </p:spPr>
+        <p:txBody>
+          <a:bodyPr wrap="square" rtlCol="0" anchor="ctr">
+            <a:spAutoFit/>
+          </a:bodyPr>
+          <a:lstStyle/>
+          <a:p>
+            <a:pPr algn="ctr"/>
+            <a:r>
+              <a:rPr lang="en-US" sz="3600" b="1" dirty="0">
+                <a:solidFill>
+                  <a:srgbClr val="660033"/>
+                </a:solidFill>
+                <a:effectLst/>
+                <a:latin typeface="Microsoft JhengHei" panose="020B0604030504040204" pitchFamily="34" charset="-120"/>
+                <a:ea typeface="Microsoft JhengHei" panose="020B0604030504040204" pitchFamily="34" charset="-120"/>
+              </a:rPr>
+              <a:t>( </a:t>
+            </a:r>
+            <a:r>
+              <a:rPr lang="zh-CN" altLang="en-US" sz="3600" b="1" dirty="0">
+                <a:solidFill>
+                  <a:srgbClr val="660033"/>
+                </a:solidFill>
+                <a:effectLst/>
+                <a:latin typeface="Microsoft JhengHei" panose="020B0604030504040204" pitchFamily="34" charset="-120"/>
+                <a:ea typeface="Microsoft JhengHei" panose="020B0604030504040204" pitchFamily="34" charset="-120"/>
+              </a:rPr>
+              <a:t>正</a:t>
+            </a:r>
+            <a:r>
+              <a:rPr lang="en-US" sz="3600" b="1" dirty="0">
+                <a:solidFill>
+                  <a:srgbClr val="660033"/>
+                </a:solidFill>
+                <a:effectLst/>
+                <a:latin typeface="Microsoft JhengHei" panose="020B0604030504040204" pitchFamily="34" charset="-120"/>
+                <a:ea typeface="Microsoft JhengHei" panose="020B0604030504040204" pitchFamily="34" charset="-120"/>
+              </a:rPr>
+              <a:t> )</a:t>
+            </a:r>
+            <a:endParaRPr lang="vi-VN" sz="3600" b="1" dirty="0">
+              <a:solidFill>
+                <a:srgbClr val="660033"/>
+              </a:solidFill>
+              <a:effectLst/>
+              <a:latin typeface="Microsoft JhengHei" panose="020B0604030504040204" pitchFamily="34" charset="-120"/>
+              <a:ea typeface="Microsoft JhengHei" panose="020B0604030504040204" pitchFamily="34" charset="-120"/>
+            </a:endParaRPr>
+          </a:p>
+        </p:txBody>
+      </p:sp>
+    </p:spTree>
+    <p:extLst>
+      <p:ext uri="{BB962C8B-B14F-4D97-AF65-F5344CB8AC3E}">
+        <p14:creationId xmlns:p14="http://schemas.microsoft.com/office/powerpoint/2010/main" val="2145452477"/>
+      </p:ext>
+    </p:extLst>
+  </p:cSld>
+  <p:clrMapOvr>
+    <a:masterClrMapping/>
+  </p:clrMapOvr>
+</p:sld>
+</file>
+
+<file path=ppt/slides/slide6.xml><?xml version="1.0" encoding="utf-8"?>
+<p:sld xmlns:a="http://schemas.openxmlformats.org/drawingml/2006/main" xmlns:r="http://schemas.openxmlformats.org/officeDocument/2006/relationships" xmlns:p="http://schemas.openxmlformats.org/presentationml/2006/main">
+  <p:cSld>
+    <p:spTree>
+      <p:nvGrpSpPr>
+        <p:cNvPr id="1" name=""/>
+        <p:cNvGrpSpPr/>
+        <p:nvPr/>
+      </p:nvGrpSpPr>
+      <p:grpSpPr>
+        <a:xfrm>
+          <a:off x="0" y="0"/>
+          <a:ext cx="0" cy="0"/>
+          <a:chOff x="0" y="0"/>
+          <a:chExt cx="0" cy="0"/>
+        </a:xfrm>
+      </p:grpSpPr>
+      <p:sp>
+        <p:nvSpPr>
+          <p:cNvPr id="5" name="內容版面配置區 4"/>
+          <p:cNvSpPr>
+            <a:spLocks noGrp="1"/>
+          </p:cNvSpPr>
+          <p:nvPr>
+            <p:ph idx="1"/>
+          </p:nvPr>
+        </p:nvSpPr>
+        <p:spPr>
+          <a:xfrm>
+            <a:off x="0" y="1563638"/>
+            <a:ext cx="9144000" cy="1803647"/>
+          </a:xfrm>
+        </p:spPr>
+        <p:txBody>
+          <a:bodyPr anchor="ctr">
+            <a:normAutofit/>
+          </a:bodyPr>
+          <a:lstStyle/>
+          <a:p>
+            <a:pPr algn="ctr">
+              <a:buNone/>
+            </a:pPr>
+            <a:r>
+              <a:rPr lang="zh-TW" altLang="en-US" sz="4800" b="1" dirty="0">
+                <a:solidFill>
+                  <a:srgbClr val="660033"/>
+                </a:solidFill>
                 <a:latin typeface="微軟正黑體" pitchFamily="34" charset="-120"/>
                 <a:ea typeface="微軟正黑體" pitchFamily="34" charset="-120"/>
               </a:rPr>
-              <a:t>亞  </a:t>
-            </a:r>
-            <a:r>
-              <a:rPr lang="zh-CN" altLang="en-US" sz="4800" b="1" smtClean="0">
+              <a:t>喔  </a:t>
+            </a:r>
+            <a:r>
+              <a:rPr lang="zh-TW" altLang="en-US" sz="4800" b="1" dirty="0">
+                <a:solidFill>
+                  <a:srgbClr val="660033"/>
+                </a:solidFill>
                 <a:latin typeface="微軟正黑體" pitchFamily="34" charset="-120"/>
                 <a:ea typeface="微軟正黑體" pitchFamily="34" charset="-120"/>
               </a:rPr>
-              <a:t>袮</a:t>
-            </a:r>
-            <a:r>
-              <a:rPr lang="zh-TW" altLang="en-US" sz="4800" b="1" dirty="0" smtClean="0">
+              <a:t> 哈</a:t>
+            </a:r>
+            <a:r>
+              <a:rPr lang="zh-TW" altLang="en-US" sz="4800" b="1" dirty="0">
+                <a:solidFill>
+                  <a:srgbClr val="660033"/>
+                </a:solidFill>
                 <a:latin typeface="微軟正黑體" pitchFamily="34" charset="-120"/>
                 <a:ea typeface="微軟正黑體" pitchFamily="34" charset="-120"/>
               </a:rPr>
-              <a:t>已</a:t>
-            </a:r>
-            <a:r>
-              <a:rPr lang="zh-TW" altLang="en-US" sz="4800" b="1" dirty="0" smtClean="0">
+              <a:t>利路亞  </a:t>
+            </a:r>
+            <a:r>
+              <a:rPr lang="zh-TW" altLang="en-US" sz="4800" b="1" dirty="0">
+                <a:solidFill>
+                  <a:srgbClr val="660033"/>
+                </a:solidFill>
                 <a:latin typeface="微軟正黑體" pitchFamily="34" charset="-120"/>
                 <a:ea typeface="微軟正黑體" pitchFamily="34" charset="-120"/>
               </a:rPr>
-              <a:t>得勝</a:t>
-            </a:r>
+              <a:t> 哈</a:t>
+            </a:r>
+            <a:r>
+              <a:rPr lang="zh-TW" altLang="en-US" sz="4800" b="1" dirty="0">
+                <a:solidFill>
+                  <a:srgbClr val="660033"/>
+                </a:solidFill>
+                <a:latin typeface="微軟正黑體" pitchFamily="34" charset="-120"/>
+                <a:ea typeface="微軟正黑體" pitchFamily="34" charset="-120"/>
+              </a:rPr>
+              <a:t>利路讚美主</a:t>
+            </a:r>
+            <a:endParaRPr lang="en-US" altLang="zh-TW" sz="4800" b="1" dirty="0">
+              <a:solidFill>
+                <a:srgbClr val="660033"/>
+              </a:solidFill>
+              <a:latin typeface="微軟正黑體" pitchFamily="34" charset="-120"/>
+              <a:ea typeface="微軟正黑體" pitchFamily="34" charset="-120"/>
+            </a:endParaRPr>
+          </a:p>
+          <a:p>
+            <a:pPr algn="ctr">
+              <a:buNone/>
+            </a:pPr>
+            <a:r>
+              <a:rPr lang="zh-TW" altLang="en-US" sz="4800" b="1" dirty="0">
+                <a:solidFill>
+                  <a:srgbClr val="660033"/>
+                </a:solidFill>
+                <a:latin typeface="微軟正黑體" pitchFamily="34" charset="-120"/>
+                <a:ea typeface="微軟正黑體" pitchFamily="34" charset="-120"/>
+              </a:rPr>
+              <a:t>哈利路亞  </a:t>
+            </a:r>
+            <a:r>
+              <a:rPr lang="zh-TW" altLang="en-US" sz="4800" b="1" dirty="0">
+                <a:solidFill>
+                  <a:srgbClr val="660033"/>
+                </a:solidFill>
+                <a:latin typeface="微軟正黑體" pitchFamily="34" charset="-120"/>
+                <a:ea typeface="微軟正黑體" pitchFamily="34" charset="-120"/>
+              </a:rPr>
+              <a:t> 哈</a:t>
+            </a:r>
+            <a:r>
+              <a:rPr lang="zh-TW" altLang="en-US" sz="4800" b="1" dirty="0">
+                <a:solidFill>
+                  <a:srgbClr val="660033"/>
+                </a:solidFill>
+                <a:latin typeface="微軟正黑體" pitchFamily="34" charset="-120"/>
+                <a:ea typeface="微軟正黑體" pitchFamily="34" charset="-120"/>
+              </a:rPr>
+              <a:t>利路讚美主</a:t>
+            </a:r>
+            <a:endParaRPr lang="en-US" altLang="zh-TW" sz="4800" b="1" dirty="0">
+              <a:solidFill>
+                <a:srgbClr val="660033"/>
+              </a:solidFill>
+              <a:latin typeface="微軟正黑體" pitchFamily="34" charset="-120"/>
+              <a:ea typeface="微軟正黑體" pitchFamily="34" charset="-120"/>
+            </a:endParaRPr>
+          </a:p>
+        </p:txBody>
+      </p:sp>
+      <p:sp>
+        <p:nvSpPr>
+          <p:cNvPr id="3" name="TextBox 2"/>
+          <p:cNvSpPr txBox="1"/>
+          <p:nvPr/>
+        </p:nvSpPr>
+        <p:spPr>
+          <a:xfrm>
+            <a:off x="0" y="3939902"/>
+            <a:ext cx="9144000" cy="646331"/>
+          </a:xfrm>
+          <a:prstGeom prst="rect">
+            <a:avLst/>
+          </a:prstGeom>
+          <a:noFill/>
+        </p:spPr>
+        <p:txBody>
+          <a:bodyPr wrap="square" rtlCol="0" anchor="ctr">
+            <a:spAutoFit/>
+          </a:bodyPr>
+          <a:lstStyle/>
+          <a:p>
+            <a:pPr algn="ctr"/>
+            <a:r>
+              <a:rPr lang="en-US" sz="3600" b="1" dirty="0">
+                <a:solidFill>
+                  <a:srgbClr val="660033"/>
+                </a:solidFill>
+                <a:effectLst/>
+                <a:latin typeface="Microsoft JhengHei" panose="020B0604030504040204" pitchFamily="34" charset="-120"/>
+                <a:ea typeface="Microsoft JhengHei" panose="020B0604030504040204" pitchFamily="34" charset="-120"/>
+              </a:rPr>
+              <a:t>( </a:t>
+            </a:r>
+            <a:r>
+              <a:rPr lang="zh-CN" altLang="en-US" sz="3600" b="1" dirty="0" smtClean="0">
+                <a:solidFill>
+                  <a:srgbClr val="660033"/>
+                </a:solidFill>
+                <a:effectLst/>
+                <a:latin typeface="Microsoft JhengHei" panose="020B0604030504040204" pitchFamily="34" charset="-120"/>
+                <a:ea typeface="Microsoft JhengHei" panose="020B0604030504040204" pitchFamily="34" charset="-120"/>
+              </a:rPr>
+              <a:t>副</a:t>
+            </a:r>
+            <a:r>
+              <a:rPr lang="en-US" sz="3600" b="1" dirty="0" smtClean="0">
+                <a:solidFill>
+                  <a:srgbClr val="660033"/>
+                </a:solidFill>
+                <a:effectLst/>
+                <a:latin typeface="Microsoft JhengHei" panose="020B0604030504040204" pitchFamily="34" charset="-120"/>
+                <a:ea typeface="Microsoft JhengHei" panose="020B0604030504040204" pitchFamily="34" charset="-120"/>
+              </a:rPr>
+              <a:t> </a:t>
+            </a:r>
+            <a:r>
+              <a:rPr lang="en-US" sz="3600" b="1" dirty="0">
+                <a:solidFill>
+                  <a:srgbClr val="660033"/>
+                </a:solidFill>
+                <a:effectLst/>
+                <a:latin typeface="Microsoft JhengHei" panose="020B0604030504040204" pitchFamily="34" charset="-120"/>
+                <a:ea typeface="Microsoft JhengHei" panose="020B0604030504040204" pitchFamily="34" charset="-120"/>
+              </a:rPr>
+              <a:t>)</a:t>
+            </a:r>
+            <a:endParaRPr lang="vi-VN" sz="3600" b="1" dirty="0">
+              <a:solidFill>
+                <a:srgbClr val="660033"/>
+              </a:solidFill>
+              <a:effectLst/>
+              <a:latin typeface="Microsoft JhengHei" panose="020B0604030504040204" pitchFamily="34" charset="-120"/>
+              <a:ea typeface="Microsoft JhengHei" panose="020B0604030504040204" pitchFamily="34" charset="-120"/>
+            </a:endParaRPr>
           </a:p>
         </p:txBody>
       </p:sp>
     </p:spTree>
+    <p:extLst>
+      <p:ext uri="{BB962C8B-B14F-4D97-AF65-F5344CB8AC3E}">
+        <p14:creationId xmlns:p14="http://schemas.microsoft.com/office/powerpoint/2010/main" val="126215145"/>
+      </p:ext>
+    </p:extLst>
+  </p:cSld>
+  <p:clrMapOvr>
+    <a:masterClrMapping/>
+  </p:clrMapOvr>
+</p:sld>
+</file>
+
+<file path=ppt/slides/slide7.xml><?xml version="1.0" encoding="utf-8"?>
+<p:sld xmlns:a="http://schemas.openxmlformats.org/drawingml/2006/main" xmlns:r="http://schemas.openxmlformats.org/officeDocument/2006/relationships" xmlns:p="http://schemas.openxmlformats.org/presentationml/2006/main">
+  <p:cSld>
+    <p:spTree>
+      <p:nvGrpSpPr>
+        <p:cNvPr id="1" name=""/>
+        <p:cNvGrpSpPr/>
+        <p:nvPr/>
+      </p:nvGrpSpPr>
+      <p:grpSpPr>
+        <a:xfrm>
+          <a:off x="0" y="0"/>
+          <a:ext cx="0" cy="0"/>
+          <a:chOff x="0" y="0"/>
+          <a:chExt cx="0" cy="0"/>
+        </a:xfrm>
+      </p:grpSpPr>
+      <p:sp>
+        <p:nvSpPr>
+          <p:cNvPr id="5" name="內容版面配置區 4"/>
+          <p:cNvSpPr>
+            <a:spLocks noGrp="1"/>
+          </p:cNvSpPr>
+          <p:nvPr>
+            <p:ph idx="1"/>
+          </p:nvPr>
+        </p:nvSpPr>
+        <p:spPr>
+          <a:xfrm>
+            <a:off x="0" y="1563638"/>
+            <a:ext cx="9144000" cy="1803647"/>
+          </a:xfrm>
+        </p:spPr>
+        <p:txBody>
+          <a:bodyPr anchor="ctr">
+            <a:normAutofit/>
+          </a:bodyPr>
+          <a:lstStyle/>
+          <a:p>
+            <a:pPr algn="ctr">
+              <a:buNone/>
+            </a:pPr>
+            <a:r>
+              <a:rPr lang="zh-TW" altLang="en-US" sz="4800" b="1" dirty="0">
+                <a:solidFill>
+                  <a:srgbClr val="660033"/>
+                </a:solidFill>
+                <a:latin typeface="微軟正黑體" pitchFamily="34" charset="-120"/>
+                <a:ea typeface="微軟正黑體" pitchFamily="34" charset="-120"/>
+              </a:rPr>
+              <a:t>哈利路亞  </a:t>
+            </a:r>
+            <a:r>
+              <a:rPr lang="zh-TW" altLang="en-US" sz="4800" b="1" dirty="0">
+                <a:solidFill>
+                  <a:srgbClr val="660033"/>
+                </a:solidFill>
+                <a:latin typeface="微軟正黑體" pitchFamily="34" charset="-120"/>
+                <a:ea typeface="微軟正黑體" pitchFamily="34" charset="-120"/>
+              </a:rPr>
+              <a:t> 主</a:t>
+            </a:r>
+            <a:r>
+              <a:rPr lang="zh-TW" altLang="en-US" sz="4800" b="1" dirty="0">
+                <a:solidFill>
+                  <a:srgbClr val="660033"/>
+                </a:solidFill>
+                <a:latin typeface="微軟正黑體" pitchFamily="34" charset="-120"/>
+                <a:ea typeface="微軟正黑體" pitchFamily="34" charset="-120"/>
+              </a:rPr>
+              <a:t>我稱頌</a:t>
+            </a:r>
+            <a:r>
+              <a:rPr lang="zh-CN" altLang="en-US" sz="4800" b="1" dirty="0">
+                <a:solidFill>
+                  <a:srgbClr val="660033"/>
+                </a:solidFill>
+                <a:latin typeface="微軟正黑體" pitchFamily="34" charset="-120"/>
+                <a:ea typeface="微軟正黑體" pitchFamily="34" charset="-120"/>
+              </a:rPr>
+              <a:t>袮</a:t>
+            </a:r>
+            <a:endParaRPr lang="en-US" altLang="zh-TW" sz="4800" b="1" dirty="0">
+              <a:solidFill>
+                <a:srgbClr val="660033"/>
+              </a:solidFill>
+              <a:latin typeface="微軟正黑體" pitchFamily="34" charset="-120"/>
+              <a:ea typeface="微軟正黑體" pitchFamily="34" charset="-120"/>
+            </a:endParaRPr>
+          </a:p>
+          <a:p>
+            <a:pPr algn="ctr">
+              <a:buNone/>
+            </a:pPr>
+            <a:r>
+              <a:rPr lang="zh-TW" altLang="en-US" sz="4800" b="1" dirty="0">
+                <a:solidFill>
+                  <a:srgbClr val="660033"/>
+                </a:solidFill>
+                <a:latin typeface="微軟正黑體" pitchFamily="34" charset="-120"/>
+                <a:ea typeface="微軟正黑體" pitchFamily="34" charset="-120"/>
+              </a:rPr>
+              <a:t>哈利路亞  </a:t>
+            </a:r>
+            <a:r>
+              <a:rPr lang="zh-TW" altLang="en-US" sz="4800" b="1" dirty="0">
+                <a:solidFill>
+                  <a:srgbClr val="660033"/>
+                </a:solidFill>
+                <a:latin typeface="微軟正黑體" pitchFamily="34" charset="-120"/>
+                <a:ea typeface="微軟正黑體" pitchFamily="34" charset="-120"/>
+              </a:rPr>
+              <a:t> </a:t>
+            </a:r>
+            <a:r>
+              <a:rPr lang="zh-CN" altLang="en-US" sz="4800" b="1" dirty="0">
+                <a:solidFill>
+                  <a:srgbClr val="660033"/>
+                </a:solidFill>
+                <a:latin typeface="微軟正黑體" pitchFamily="34" charset="-120"/>
+                <a:ea typeface="微軟正黑體" pitchFamily="34" charset="-120"/>
+              </a:rPr>
+              <a:t>袮</a:t>
+            </a:r>
+            <a:r>
+              <a:rPr lang="zh-TW" altLang="en-US" sz="4800" b="1" dirty="0">
+                <a:solidFill>
+                  <a:srgbClr val="660033"/>
+                </a:solidFill>
+                <a:latin typeface="微軟正黑體" pitchFamily="34" charset="-120"/>
+                <a:ea typeface="微軟正黑體" pitchFamily="34" charset="-120"/>
+              </a:rPr>
+              <a:t>已得勝</a:t>
+            </a:r>
+          </a:p>
+        </p:txBody>
+      </p:sp>
+      <p:sp>
+        <p:nvSpPr>
+          <p:cNvPr id="3" name="TextBox 2"/>
+          <p:cNvSpPr txBox="1"/>
+          <p:nvPr/>
+        </p:nvSpPr>
+        <p:spPr>
+          <a:xfrm>
+            <a:off x="0" y="3939902"/>
+            <a:ext cx="9144000" cy="646331"/>
+          </a:xfrm>
+          <a:prstGeom prst="rect">
+            <a:avLst/>
+          </a:prstGeom>
+          <a:noFill/>
+        </p:spPr>
+        <p:txBody>
+          <a:bodyPr wrap="square" rtlCol="0" anchor="ctr">
+            <a:spAutoFit/>
+          </a:bodyPr>
+          <a:lstStyle/>
+          <a:p>
+            <a:pPr algn="ctr"/>
+            <a:r>
+              <a:rPr lang="en-US" sz="3600" b="1" dirty="0">
+                <a:solidFill>
+                  <a:srgbClr val="660033"/>
+                </a:solidFill>
+                <a:effectLst/>
+                <a:latin typeface="Microsoft JhengHei" panose="020B0604030504040204" pitchFamily="34" charset="-120"/>
+                <a:ea typeface="Microsoft JhengHei" panose="020B0604030504040204" pitchFamily="34" charset="-120"/>
+              </a:rPr>
+              <a:t>( </a:t>
+            </a:r>
+            <a:r>
+              <a:rPr lang="zh-CN" altLang="en-US" sz="3600" b="1" dirty="0" smtClean="0">
+                <a:solidFill>
+                  <a:srgbClr val="660033"/>
+                </a:solidFill>
+                <a:effectLst/>
+                <a:latin typeface="Microsoft JhengHei" panose="020B0604030504040204" pitchFamily="34" charset="-120"/>
+                <a:ea typeface="Microsoft JhengHei" panose="020B0604030504040204" pitchFamily="34" charset="-120"/>
+              </a:rPr>
+              <a:t>副</a:t>
+            </a:r>
+            <a:r>
+              <a:rPr lang="en-US" sz="3600" b="1" dirty="0" smtClean="0">
+                <a:solidFill>
+                  <a:srgbClr val="660033"/>
+                </a:solidFill>
+                <a:effectLst/>
+                <a:latin typeface="Microsoft JhengHei" panose="020B0604030504040204" pitchFamily="34" charset="-120"/>
+                <a:ea typeface="Microsoft JhengHei" panose="020B0604030504040204" pitchFamily="34" charset="-120"/>
+              </a:rPr>
+              <a:t> </a:t>
+            </a:r>
+            <a:r>
+              <a:rPr lang="en-US" sz="3600" b="1" dirty="0">
+                <a:solidFill>
+                  <a:srgbClr val="660033"/>
+                </a:solidFill>
+                <a:effectLst/>
+                <a:latin typeface="Microsoft JhengHei" panose="020B0604030504040204" pitchFamily="34" charset="-120"/>
+                <a:ea typeface="Microsoft JhengHei" panose="020B0604030504040204" pitchFamily="34" charset="-120"/>
+              </a:rPr>
+              <a:t>)</a:t>
+            </a:r>
+            <a:endParaRPr lang="vi-VN" sz="3600" b="1" dirty="0">
+              <a:solidFill>
+                <a:srgbClr val="660033"/>
+              </a:solidFill>
+              <a:effectLst/>
+              <a:latin typeface="Microsoft JhengHei" panose="020B0604030504040204" pitchFamily="34" charset="-120"/>
+              <a:ea typeface="Microsoft JhengHei" panose="020B0604030504040204" pitchFamily="34" charset="-120"/>
+            </a:endParaRPr>
+          </a:p>
+        </p:txBody>
+      </p:sp>
+    </p:spTree>
+    <p:extLst>
+      <p:ext uri="{BB962C8B-B14F-4D97-AF65-F5344CB8AC3E}">
+        <p14:creationId xmlns:p14="http://schemas.microsoft.com/office/powerpoint/2010/main" val="907073348"/>
+      </p:ext>
+    </p:extLst>
   </p:cSld>
   <p:clrMapOvr>
     <a:masterClrMapping/>

--- a/彈琴歌唱讚美你.pptx
+++ b/彈琴歌唱讚美你.pptx
@@ -310,7 +310,7 @@
           <a:p>
             <a:fld id="{5B80AD86-2C1E-4B28-87F6-A194458C1C65}" type="datetimeFigureOut">
               <a:rPr lang="zh-TW" altLang="en-US" smtClean="0"/>
-              <a:t>2021/11/26</a:t>
+              <a:t>2023/7/7</a:t>
             </a:fld>
             <a:endParaRPr lang="zh-TW" altLang="en-US"/>
           </a:p>
@@ -475,7 +475,7 @@
           <a:p>
             <a:fld id="{5B80AD86-2C1E-4B28-87F6-A194458C1C65}" type="datetimeFigureOut">
               <a:rPr lang="zh-TW" altLang="en-US" smtClean="0"/>
-              <a:t>2021/11/26</a:t>
+              <a:t>2023/7/7</a:t>
             </a:fld>
             <a:endParaRPr lang="zh-TW" altLang="en-US"/>
           </a:p>
@@ -650,7 +650,7 @@
           <a:p>
             <a:fld id="{5B80AD86-2C1E-4B28-87F6-A194458C1C65}" type="datetimeFigureOut">
               <a:rPr lang="zh-TW" altLang="en-US" smtClean="0"/>
-              <a:t>2021/11/26</a:t>
+              <a:t>2023/7/7</a:t>
             </a:fld>
             <a:endParaRPr lang="zh-TW" altLang="en-US"/>
           </a:p>
@@ -815,7 +815,7 @@
           <a:p>
             <a:fld id="{5B80AD86-2C1E-4B28-87F6-A194458C1C65}" type="datetimeFigureOut">
               <a:rPr lang="zh-TW" altLang="en-US" smtClean="0"/>
-              <a:t>2021/11/26</a:t>
+              <a:t>2023/7/7</a:t>
             </a:fld>
             <a:endParaRPr lang="zh-TW" altLang="en-US"/>
           </a:p>
@@ -1056,7 +1056,7 @@
           <a:p>
             <a:fld id="{5B80AD86-2C1E-4B28-87F6-A194458C1C65}" type="datetimeFigureOut">
               <a:rPr lang="zh-TW" altLang="en-US" smtClean="0"/>
-              <a:t>2021/11/26</a:t>
+              <a:t>2023/7/7</a:t>
             </a:fld>
             <a:endParaRPr lang="zh-TW" altLang="en-US"/>
           </a:p>
@@ -1339,7 +1339,7 @@
           <a:p>
             <a:fld id="{5B80AD86-2C1E-4B28-87F6-A194458C1C65}" type="datetimeFigureOut">
               <a:rPr lang="zh-TW" altLang="en-US" smtClean="0"/>
-              <a:t>2021/11/26</a:t>
+              <a:t>2023/7/7</a:t>
             </a:fld>
             <a:endParaRPr lang="zh-TW" altLang="en-US"/>
           </a:p>
@@ -1756,7 +1756,7 @@
           <a:p>
             <a:fld id="{5B80AD86-2C1E-4B28-87F6-A194458C1C65}" type="datetimeFigureOut">
               <a:rPr lang="zh-TW" altLang="en-US" smtClean="0"/>
-              <a:t>2021/11/26</a:t>
+              <a:t>2023/7/7</a:t>
             </a:fld>
             <a:endParaRPr lang="zh-TW" altLang="en-US"/>
           </a:p>
@@ -1869,7 +1869,7 @@
           <a:p>
             <a:fld id="{5B80AD86-2C1E-4B28-87F6-A194458C1C65}" type="datetimeFigureOut">
               <a:rPr lang="zh-TW" altLang="en-US" smtClean="0"/>
-              <a:t>2021/11/26</a:t>
+              <a:t>2023/7/7</a:t>
             </a:fld>
             <a:endParaRPr lang="zh-TW" altLang="en-US"/>
           </a:p>
@@ -1959,7 +1959,7 @@
           <a:p>
             <a:fld id="{5B80AD86-2C1E-4B28-87F6-A194458C1C65}" type="datetimeFigureOut">
               <a:rPr lang="zh-TW" altLang="en-US" smtClean="0"/>
-              <a:t>2021/11/26</a:t>
+              <a:t>2023/7/7</a:t>
             </a:fld>
             <a:endParaRPr lang="zh-TW" altLang="en-US"/>
           </a:p>
@@ -2231,7 +2231,7 @@
           <a:p>
             <a:fld id="{5B80AD86-2C1E-4B28-87F6-A194458C1C65}" type="datetimeFigureOut">
               <a:rPr lang="zh-TW" altLang="en-US" smtClean="0"/>
-              <a:t>2021/11/26</a:t>
+              <a:t>2023/7/7</a:t>
             </a:fld>
             <a:endParaRPr lang="zh-TW" altLang="en-US"/>
           </a:p>
@@ -2483,7 +2483,7 @@
           <a:p>
             <a:fld id="{5B80AD86-2C1E-4B28-87F6-A194458C1C65}" type="datetimeFigureOut">
               <a:rPr lang="zh-TW" altLang="en-US" smtClean="0"/>
-              <a:t>2021/11/26</a:t>
+              <a:t>2023/7/7</a:t>
             </a:fld>
             <a:endParaRPr lang="zh-TW" altLang="en-US"/>
           </a:p>
@@ -2696,7 +2696,7 @@
           <a:p>
             <a:fld id="{5B80AD86-2C1E-4B28-87F6-A194458C1C65}" type="datetimeFigureOut">
               <a:rPr lang="zh-TW" altLang="en-US" smtClean="0"/>
-              <a:t>2021/11/26</a:t>
+              <a:t>2023/7/7</a:t>
             </a:fld>
             <a:endParaRPr lang="zh-TW" altLang="en-US"/>
           </a:p>
@@ -3120,10 +3120,10 @@
                 <a:latin typeface="微軟正黑體" pitchFamily="34" charset="-120"/>
                 <a:ea typeface="微軟正黑體" pitchFamily="34" charset="-120"/>
               </a:rPr>
-              <a:t>琴歌唱讚美</a:t>
-            </a:r>
-            <a:r>
-              <a:rPr lang="zh-CN" altLang="en-US" sz="5400" b="1" i="1" dirty="0">
+              <a:t>琴歌唱讚</a:t>
+            </a:r>
+            <a:r>
+              <a:rPr lang="zh-TW" altLang="en-US" sz="5400" b="1" i="1" dirty="0">
                 <a:solidFill>
                   <a:srgbClr val="660033"/>
                 </a:solidFill>
@@ -3137,22 +3137,25 @@
                 <a:latin typeface="微軟正黑體" pitchFamily="34" charset="-120"/>
                 <a:ea typeface="微軟正黑體" pitchFamily="34" charset="-120"/>
               </a:rPr>
-              <a:t>袮</a:t>
-            </a:r>
-            <a:endParaRPr lang="zh-TW" altLang="en-US" sz="5400" b="1" i="1" dirty="0">
-              <a:solidFill>
-                <a:srgbClr val="660033"/>
-              </a:solidFill>
-              <a:effectLst>
-                <a:outerShdw blurRad="38100" dist="38100" dir="2700000" algn="tl">
-                  <a:srgbClr val="000000">
-                    <a:alpha val="43137"/>
-                  </a:srgbClr>
-                </a:outerShdw>
-              </a:effectLst>
-              <a:latin typeface="微軟正黑體" pitchFamily="34" charset="-120"/>
-              <a:ea typeface="微軟正黑體" pitchFamily="34" charset="-120"/>
-            </a:endParaRPr>
+              <a:t>美</a:t>
+            </a:r>
+            <a:r>
+              <a:rPr lang="zh-TW" altLang="en-US" sz="5400" b="1" i="1" dirty="0">
+                <a:solidFill>
+                  <a:srgbClr val="660033"/>
+                </a:solidFill>
+                <a:effectLst>
+                  <a:outerShdw blurRad="38100" dist="38100" dir="2700000" algn="tl">
+                    <a:srgbClr val="000000">
+                      <a:alpha val="43137"/>
+                    </a:srgbClr>
+                  </a:outerShdw>
+                </a:effectLst>
+                <a:latin typeface="微軟正黑體" pitchFamily="34" charset="-120"/>
+                <a:ea typeface="微軟正黑體" pitchFamily="34" charset="-120"/>
+              </a:rPr>
+              <a:t>祢</a:t>
+            </a:r>
           </a:p>
         </p:txBody>
       </p:sp>
@@ -3229,17 +3232,37 @@
                 <a:latin typeface="微軟正黑體" pitchFamily="34" charset="-120"/>
                 <a:ea typeface="微軟正黑體" pitchFamily="34" charset="-120"/>
               </a:rPr>
-              <a:t>要彈琴歌唱稱頌</a:t>
-            </a:r>
-            <a:r>
-              <a:rPr lang="zh-CN" altLang="en-US" sz="4800" b="1" dirty="0">
+              <a:t>要彈琴</a:t>
+            </a:r>
+            <a:r>
+              <a:rPr lang="zh-TW" altLang="en-US" sz="4800" b="1" dirty="0">
                 <a:solidFill>
                   <a:srgbClr val="660033"/>
                 </a:solidFill>
                 <a:latin typeface="微軟正黑體" pitchFamily="34" charset="-120"/>
                 <a:ea typeface="微軟正黑體" pitchFamily="34" charset="-120"/>
               </a:rPr>
-              <a:t>袮</a:t>
+              <a:t>歌唱稱</a:t>
+            </a:r>
+            <a:r>
+              <a:rPr lang="zh-TW" altLang="en-US" sz="4800" b="1" dirty="0">
+                <a:solidFill>
+                  <a:srgbClr val="660033"/>
+                </a:solidFill>
+                <a:latin typeface="微軟正黑體" pitchFamily="34" charset="-120"/>
+                <a:ea typeface="微軟正黑體" pitchFamily="34" charset="-120"/>
+              </a:rPr>
+              <a:t>頌</a:t>
+            </a:r>
+            <a:r>
+              <a:rPr lang="zh-TW" altLang="en-US" sz="4800" b="1" dirty="0">
+                <a:solidFill>
+                  <a:srgbClr val="660033"/>
+                </a:solidFill>
+                <a:latin typeface="微軟正黑體" pitchFamily="34" charset="-120"/>
+                <a:ea typeface="微軟正黑體" pitchFamily="34" charset="-120"/>
+              </a:rPr>
+              <a:t>祢</a:t>
             </a:r>
             <a:r>
               <a:rPr lang="zh-TW" altLang="en-US" sz="4800" b="1" dirty="0">
@@ -3271,17 +3294,17 @@
                 <a:latin typeface="微軟正黑體" pitchFamily="34" charset="-120"/>
                 <a:ea typeface="微軟正黑體" pitchFamily="34" charset="-120"/>
               </a:rPr>
-              <a:t>因為</a:t>
-            </a:r>
-            <a:r>
-              <a:rPr lang="zh-CN" altLang="en-US" sz="4800" b="1" dirty="0">
+              <a:t>因</a:t>
+            </a:r>
+            <a:r>
+              <a:rPr lang="zh-TW" altLang="en-US" sz="4800" b="1" dirty="0" smtClean="0">
                 <a:solidFill>
                   <a:srgbClr val="660033"/>
                 </a:solidFill>
                 <a:latin typeface="微軟正黑體" pitchFamily="34" charset="-120"/>
                 <a:ea typeface="微軟正黑體" pitchFamily="34" charset="-120"/>
               </a:rPr>
-              <a:t>袮</a:t>
+              <a:t>為</a:t>
             </a:r>
             <a:r>
               <a:rPr lang="zh-TW" altLang="en-US" sz="4800" b="1" dirty="0">
@@ -3291,7 +3314,27 @@
                 <a:latin typeface="微軟正黑體" pitchFamily="34" charset="-120"/>
                 <a:ea typeface="微軟正黑體" pitchFamily="34" charset="-120"/>
               </a:rPr>
-              <a:t>大作為真奇妙</a:t>
+              <a:t>祢</a:t>
+            </a:r>
+            <a:r>
+              <a:rPr lang="zh-TW" altLang="en-US" sz="4800" b="1" dirty="0" smtClean="0">
+                <a:solidFill>
+                  <a:srgbClr val="660033"/>
+                </a:solidFill>
+                <a:latin typeface="微軟正黑體" pitchFamily="34" charset="-120"/>
+                <a:ea typeface="微軟正黑體" pitchFamily="34" charset="-120"/>
+              </a:rPr>
+              <a:t>大</a:t>
+            </a:r>
+            <a:r>
+              <a:rPr lang="zh-TW" altLang="en-US" sz="4800" b="1" dirty="0">
+                <a:solidFill>
+                  <a:srgbClr val="660033"/>
+                </a:solidFill>
+                <a:latin typeface="微軟正黑體" pitchFamily="34" charset="-120"/>
+                <a:ea typeface="微軟正黑體" pitchFamily="34" charset="-120"/>
+              </a:rPr>
+              <a:t>作為真奇妙</a:t>
             </a:r>
             <a:endParaRPr lang="en-US" altLang="zh-TW" sz="4800" b="1" dirty="0">
               <a:solidFill>
@@ -3433,7 +3476,7 @@
                 <a:latin typeface="微軟正黑體" pitchFamily="34" charset="-120"/>
                 <a:ea typeface="微軟正黑體" pitchFamily="34" charset="-120"/>
               </a:rPr>
-              <a:t>全地啊  </a:t>
+              <a:t>全地啊   當揚聲述</a:t>
             </a:r>
             <a:r>
               <a:rPr lang="zh-TW" altLang="en-US" sz="4800" b="1" dirty="0">
@@ -3443,7 +3486,7 @@
                 <a:latin typeface="微軟正黑體" pitchFamily="34" charset="-120"/>
                 <a:ea typeface="微軟正黑體" pitchFamily="34" charset="-120"/>
               </a:rPr>
-              <a:t> 當</a:t>
+              <a:t>說祢的</a:t>
             </a:r>
             <a:r>
               <a:rPr lang="zh-TW" altLang="en-US" sz="4800" b="1" dirty="0">
@@ -3453,27 +3496,7 @@
                 <a:latin typeface="微軟正黑體" pitchFamily="34" charset="-120"/>
                 <a:ea typeface="微軟正黑體" pitchFamily="34" charset="-120"/>
               </a:rPr>
-              <a:t>揚聲述說</a:t>
-            </a:r>
-            <a:r>
-              <a:rPr lang="zh-CN" altLang="en-US" sz="4800" b="1" dirty="0">
-                <a:solidFill>
-                  <a:srgbClr val="660033"/>
-                </a:solidFill>
-                <a:latin typeface="微軟正黑體" pitchFamily="34" charset="-120"/>
-                <a:ea typeface="微軟正黑體" pitchFamily="34" charset="-120"/>
-              </a:rPr>
-              <a:t>袮</a:t>
-            </a:r>
-            <a:r>
-              <a:rPr lang="zh-TW" altLang="en-US" sz="4800" b="1" dirty="0">
-                <a:solidFill>
-                  <a:srgbClr val="660033"/>
-                </a:solidFill>
-                <a:latin typeface="微軟正黑體" pitchFamily="34" charset="-120"/>
-                <a:ea typeface="微軟正黑體" pitchFamily="34" charset="-120"/>
-              </a:rPr>
-              <a:t>的榮耀</a:t>
+              <a:t>榮耀</a:t>
             </a:r>
             <a:endParaRPr lang="en-US" altLang="zh-TW" sz="4800" b="1" dirty="0">
               <a:solidFill>
@@ -3495,17 +3518,17 @@
                 <a:latin typeface="微軟正黑體" pitchFamily="34" charset="-120"/>
                 <a:ea typeface="微軟正黑體" pitchFamily="34" charset="-120"/>
               </a:rPr>
-              <a:t>全心來讚美</a:t>
-            </a:r>
-            <a:r>
-              <a:rPr lang="zh-CN" altLang="en-US" sz="4800" b="1" dirty="0">
+              <a:t>全心來讚</a:t>
+            </a:r>
+            <a:r>
+              <a:rPr lang="zh-TW" altLang="en-US" sz="4800" b="1" dirty="0">
                 <a:solidFill>
                   <a:srgbClr val="660033"/>
                 </a:solidFill>
                 <a:latin typeface="微軟正黑體" pitchFamily="34" charset="-120"/>
                 <a:ea typeface="微軟正黑體" pitchFamily="34" charset="-120"/>
               </a:rPr>
-              <a:t>袮</a:t>
+              <a:t>美祢</a:t>
             </a:r>
             <a:endParaRPr lang="zh-TW" altLang="en-US" sz="4800" b="1" dirty="0">
               <a:solidFill>
@@ -3711,13 +3734,6 @@
               </a:rPr>
               <a:t>蒼起唱和</a:t>
             </a:r>
-            <a:endParaRPr lang="zh-TW" altLang="en-US" sz="4800" b="1" dirty="0">
-              <a:solidFill>
-                <a:srgbClr val="660033"/>
-              </a:solidFill>
-              <a:latin typeface="微軟正黑體" pitchFamily="34" charset="-120"/>
-              <a:ea typeface="微軟正黑體" pitchFamily="34" charset="-120"/>
-            </a:endParaRPr>
           </a:p>
         </p:txBody>
       </p:sp>
@@ -4008,47 +4024,7 @@
                 <a:latin typeface="微軟正黑體" pitchFamily="34" charset="-120"/>
                 <a:ea typeface="微軟正黑體" pitchFamily="34" charset="-120"/>
               </a:rPr>
-              <a:t>喔  </a:t>
-            </a:r>
-            <a:r>
-              <a:rPr lang="zh-TW" altLang="en-US" sz="4800" b="1" dirty="0">
-                <a:solidFill>
-                  <a:srgbClr val="660033"/>
-                </a:solidFill>
-                <a:latin typeface="微軟正黑體" pitchFamily="34" charset="-120"/>
-                <a:ea typeface="微軟正黑體" pitchFamily="34" charset="-120"/>
-              </a:rPr>
-              <a:t> 哈</a:t>
-            </a:r>
-            <a:r>
-              <a:rPr lang="zh-TW" altLang="en-US" sz="4800" b="1" dirty="0">
-                <a:solidFill>
-                  <a:srgbClr val="660033"/>
-                </a:solidFill>
-                <a:latin typeface="微軟正黑體" pitchFamily="34" charset="-120"/>
-                <a:ea typeface="微軟正黑體" pitchFamily="34" charset="-120"/>
-              </a:rPr>
-              <a:t>利路亞  </a:t>
-            </a:r>
-            <a:r>
-              <a:rPr lang="zh-TW" altLang="en-US" sz="4800" b="1" dirty="0">
-                <a:solidFill>
-                  <a:srgbClr val="660033"/>
-                </a:solidFill>
-                <a:latin typeface="微軟正黑體" pitchFamily="34" charset="-120"/>
-                <a:ea typeface="微軟正黑體" pitchFamily="34" charset="-120"/>
-              </a:rPr>
-              <a:t> 哈</a:t>
-            </a:r>
-            <a:r>
-              <a:rPr lang="zh-TW" altLang="en-US" sz="4800" b="1" dirty="0">
-                <a:solidFill>
-                  <a:srgbClr val="660033"/>
-                </a:solidFill>
-                <a:latin typeface="微軟正黑體" pitchFamily="34" charset="-120"/>
-                <a:ea typeface="微軟正黑體" pitchFamily="34" charset="-120"/>
-              </a:rPr>
-              <a:t>利路讚美主</a:t>
+              <a:t>喔   哈利路亞   哈利路讚美主</a:t>
             </a:r>
             <a:endParaRPr lang="en-US" altLang="zh-TW" sz="4800" b="1" dirty="0">
               <a:solidFill>
@@ -4070,27 +4046,7 @@
                 <a:latin typeface="微軟正黑體" pitchFamily="34" charset="-120"/>
                 <a:ea typeface="微軟正黑體" pitchFamily="34" charset="-120"/>
               </a:rPr>
-              <a:t>哈利路亞  </a:t>
-            </a:r>
-            <a:r>
-              <a:rPr lang="zh-TW" altLang="en-US" sz="4800" b="1" dirty="0">
-                <a:solidFill>
-                  <a:srgbClr val="660033"/>
-                </a:solidFill>
-                <a:latin typeface="微軟正黑體" pitchFamily="34" charset="-120"/>
-                <a:ea typeface="微軟正黑體" pitchFamily="34" charset="-120"/>
-              </a:rPr>
-              <a:t> 哈</a:t>
-            </a:r>
-            <a:r>
-              <a:rPr lang="zh-TW" altLang="en-US" sz="4800" b="1" dirty="0">
-                <a:solidFill>
-                  <a:srgbClr val="660033"/>
-                </a:solidFill>
-                <a:latin typeface="微軟正黑體" pitchFamily="34" charset="-120"/>
-                <a:ea typeface="微軟正黑體" pitchFamily="34" charset="-120"/>
-              </a:rPr>
-              <a:t>利路讚美主</a:t>
+              <a:t>哈利路亞   哈利路讚美主</a:t>
             </a:r>
             <a:endParaRPr lang="en-US" altLang="zh-TW" sz="4800" b="1" dirty="0">
               <a:solidFill>
@@ -4243,17 +4199,17 @@
                 <a:latin typeface="微軟正黑體" pitchFamily="34" charset="-120"/>
                 <a:ea typeface="微軟正黑體" pitchFamily="34" charset="-120"/>
               </a:rPr>
-              <a:t>哈利路亞  </a:t>
-            </a:r>
-            <a:r>
-              <a:rPr lang="zh-TW" altLang="en-US" sz="4800" b="1" dirty="0">
+              <a:t>哈利路</a:t>
+            </a:r>
+            <a:r>
+              <a:rPr lang="zh-TW" altLang="en-US" sz="4800" b="1" dirty="0" smtClean="0">
                 <a:solidFill>
                   <a:srgbClr val="660033"/>
                 </a:solidFill>
                 <a:latin typeface="微軟正黑體" pitchFamily="34" charset="-120"/>
                 <a:ea typeface="微軟正黑體" pitchFamily="34" charset="-120"/>
               </a:rPr>
-              <a:t> 主</a:t>
+              <a:t>亞  主</a:t>
             </a:r>
             <a:r>
               <a:rPr lang="zh-TW" altLang="en-US" sz="4800" b="1" dirty="0">
@@ -4263,17 +4219,17 @@
                 <a:latin typeface="微軟正黑體" pitchFamily="34" charset="-120"/>
                 <a:ea typeface="微軟正黑體" pitchFamily="34" charset="-120"/>
               </a:rPr>
-              <a:t>我稱頌</a:t>
-            </a:r>
-            <a:r>
-              <a:rPr lang="zh-CN" altLang="en-US" sz="4800" b="1" dirty="0">
+              <a:t>我稱</a:t>
+            </a:r>
+            <a:r>
+              <a:rPr lang="zh-TW" altLang="en-US" sz="4800" b="1" dirty="0">
                 <a:solidFill>
                   <a:srgbClr val="660033"/>
                 </a:solidFill>
                 <a:latin typeface="微軟正黑體" pitchFamily="34" charset="-120"/>
                 <a:ea typeface="微軟正黑體" pitchFamily="34" charset="-120"/>
               </a:rPr>
-              <a:t>袮</a:t>
+              <a:t>頌祢</a:t>
             </a:r>
             <a:endParaRPr lang="en-US" altLang="zh-TW" sz="4800" b="1" dirty="0">
               <a:solidFill>
@@ -4295,27 +4251,27 @@
                 <a:latin typeface="微軟正黑體" pitchFamily="34" charset="-120"/>
                 <a:ea typeface="微軟正黑體" pitchFamily="34" charset="-120"/>
               </a:rPr>
-              <a:t>哈利路亞  </a:t>
-            </a:r>
-            <a:r>
-              <a:rPr lang="zh-TW" altLang="en-US" sz="4800" b="1" dirty="0">
+              <a:t>哈利路</a:t>
+            </a:r>
+            <a:r>
+              <a:rPr lang="zh-TW" altLang="en-US" sz="4800" b="1" dirty="0" smtClean="0">
                 <a:solidFill>
                   <a:srgbClr val="660033"/>
                 </a:solidFill>
                 <a:latin typeface="微軟正黑體" pitchFamily="34" charset="-120"/>
                 <a:ea typeface="微軟正黑體" pitchFamily="34" charset="-120"/>
               </a:rPr>
-              <a:t> </a:t>
-            </a:r>
-            <a:r>
-              <a:rPr lang="zh-CN" altLang="en-US" sz="4800" b="1" dirty="0">
+              <a:t>亞  祢</a:t>
+            </a:r>
+            <a:r>
+              <a:rPr lang="zh-TW" altLang="en-US" sz="4800" b="1" dirty="0">
                 <a:solidFill>
                   <a:srgbClr val="660033"/>
                 </a:solidFill>
                 <a:latin typeface="微軟正黑體" pitchFamily="34" charset="-120"/>
                 <a:ea typeface="微軟正黑體" pitchFamily="34" charset="-120"/>
               </a:rPr>
-              <a:t>袮</a:t>
+              <a:t>已</a:t>
             </a:r>
             <a:r>
               <a:rPr lang="zh-TW" altLang="en-US" sz="4800" b="1" dirty="0">
@@ -4325,7 +4281,7 @@
                 <a:latin typeface="微軟正黑體" pitchFamily="34" charset="-120"/>
                 <a:ea typeface="微軟正黑體" pitchFamily="34" charset="-120"/>
               </a:rPr>
-              <a:t>已得勝</a:t>
+              <a:t>得勝</a:t>
             </a:r>
           </a:p>
         </p:txBody>
